--- a/课程PPT/02.JavaScript数据类型、值与变量.pptx
+++ b/课程PPT/02.JavaScript数据类型、值与变量.pptx
@@ -7772,33 +7772,15 @@
                                   </p:childTnLst>
                                 </p:cTn>
                               </p:par>
-                            </p:childTnLst>
-                          </p:cTn>
-                        </p:par>
-                      </p:childTnLst>
-                    </p:cTn>
-                  </p:par>
-                  <p:par>
-                    <p:cTn id="9" fill="hold">
-                      <p:stCondLst>
-                        <p:cond delay="indefinite"/>
-                      </p:stCondLst>
-                      <p:childTnLst>
-                        <p:par>
-                          <p:cTn id="10" fill="hold">
-                            <p:stCondLst>
-                              <p:cond delay="0"/>
-                            </p:stCondLst>
-                            <p:childTnLst>
                               <p:par>
-                                <p:cTn id="11" presetID="2" presetClass="entr" presetSubtype="4" fill="hold" nodeType="clickEffect">
+                                <p:cTn id="9" presetID="2" presetClass="entr" presetSubtype="4" fill="hold" nodeType="withEffect">
                                   <p:stCondLst>
                                     <p:cond delay="0"/>
                                   </p:stCondLst>
                                   <p:childTnLst>
                                     <p:set>
                                       <p:cBhvr>
-                                        <p:cTn id="12" dur="1" fill="hold">
+                                        <p:cTn id="10" dur="1" fill="hold">
                                           <p:stCondLst>
                                             <p:cond delay="0"/>
                                           </p:stCondLst>
@@ -7820,7 +7802,7 @@
                                     </p:set>
                                     <p:anim calcmode="lin" valueType="num">
                                       <p:cBhvr additive="base">
-                                        <p:cTn id="13" dur="500" fill="hold"/>
+                                        <p:cTn id="11" dur="500" fill="hold"/>
                                         <p:tgtEl>
                                           <p:spTgt spid="2">
                                             <p:txEl>
@@ -7847,7 +7829,7 @@
                                     </p:anim>
                                     <p:anim calcmode="lin" valueType="num">
                                       <p:cBhvr additive="base">
-                                        <p:cTn id="14" dur="500" fill="hold"/>
+                                        <p:cTn id="12" dur="500" fill="hold"/>
                                         <p:tgtEl>
                                           <p:spTgt spid="2">
                                             <p:txEl>
@@ -7875,33 +7857,15 @@
                                   </p:childTnLst>
                                 </p:cTn>
                               </p:par>
-                            </p:childTnLst>
-                          </p:cTn>
-                        </p:par>
-                      </p:childTnLst>
-                    </p:cTn>
-                  </p:par>
-                  <p:par>
-                    <p:cTn id="15" fill="hold">
-                      <p:stCondLst>
-                        <p:cond delay="indefinite"/>
-                      </p:stCondLst>
-                      <p:childTnLst>
-                        <p:par>
-                          <p:cTn id="16" fill="hold">
-                            <p:stCondLst>
-                              <p:cond delay="0"/>
-                            </p:stCondLst>
-                            <p:childTnLst>
                               <p:par>
-                                <p:cTn id="17" presetID="2" presetClass="entr" presetSubtype="4" fill="hold" nodeType="clickEffect">
+                                <p:cTn id="13" presetID="2" presetClass="entr" presetSubtype="4" fill="hold" nodeType="withEffect">
                                   <p:stCondLst>
                                     <p:cond delay="0"/>
                                   </p:stCondLst>
                                   <p:childTnLst>
                                     <p:set>
                                       <p:cBhvr>
-                                        <p:cTn id="18" dur="1" fill="hold">
+                                        <p:cTn id="14" dur="1" fill="hold">
                                           <p:stCondLst>
                                             <p:cond delay="0"/>
                                           </p:stCondLst>
@@ -7923,7 +7887,7 @@
                                     </p:set>
                                     <p:anim calcmode="lin" valueType="num">
                                       <p:cBhvr additive="base">
-                                        <p:cTn id="19" dur="500" fill="hold"/>
+                                        <p:cTn id="15" dur="500" fill="hold"/>
                                         <p:tgtEl>
                                           <p:spTgt spid="2">
                                             <p:txEl>
@@ -7950,7 +7914,7 @@
                                     </p:anim>
                                     <p:anim calcmode="lin" valueType="num">
                                       <p:cBhvr additive="base">
-                                        <p:cTn id="20" dur="500" fill="hold"/>
+                                        <p:cTn id="16" dur="500" fill="hold"/>
                                         <p:tgtEl>
                                           <p:spTgt spid="2">
                                             <p:txEl>
@@ -7985,26 +7949,26 @@
                     </p:cTn>
                   </p:par>
                   <p:par>
-                    <p:cTn id="21" fill="hold">
+                    <p:cTn id="17" fill="hold">
                       <p:stCondLst>
                         <p:cond delay="indefinite"/>
                       </p:stCondLst>
                       <p:childTnLst>
                         <p:par>
-                          <p:cTn id="22" fill="hold">
+                          <p:cTn id="18" fill="hold">
                             <p:stCondLst>
                               <p:cond delay="0"/>
                             </p:stCondLst>
                             <p:childTnLst>
                               <p:par>
-                                <p:cTn id="23" presetID="2" presetClass="entr" presetSubtype="4" fill="hold" nodeType="clickEffect">
+                                <p:cTn id="19" presetID="2" presetClass="entr" presetSubtype="4" fill="hold" nodeType="clickEffect">
                                   <p:stCondLst>
                                     <p:cond delay="0"/>
                                   </p:stCondLst>
                                   <p:childTnLst>
                                     <p:set>
                                       <p:cBhvr>
-                                        <p:cTn id="24" dur="1" fill="hold">
+                                        <p:cTn id="20" dur="1" fill="hold">
                                           <p:stCondLst>
                                             <p:cond delay="0"/>
                                           </p:stCondLst>
@@ -8026,7 +7990,7 @@
                                     </p:set>
                                     <p:anim calcmode="lin" valueType="num">
                                       <p:cBhvr additive="base">
-                                        <p:cTn id="25" dur="500" fill="hold"/>
+                                        <p:cTn id="21" dur="500" fill="hold"/>
                                         <p:tgtEl>
                                           <p:spTgt spid="2">
                                             <p:txEl>
@@ -8053,7 +8017,7 @@
                                     </p:anim>
                                     <p:anim calcmode="lin" valueType="num">
                                       <p:cBhvr additive="base">
-                                        <p:cTn id="26" dur="500" fill="hold"/>
+                                        <p:cTn id="22" dur="500" fill="hold"/>
                                         <p:tgtEl>
                                           <p:spTgt spid="2">
                                             <p:txEl>
@@ -8081,33 +8045,15 @@
                                   </p:childTnLst>
                                 </p:cTn>
                               </p:par>
-                            </p:childTnLst>
-                          </p:cTn>
-                        </p:par>
-                      </p:childTnLst>
-                    </p:cTn>
-                  </p:par>
-                  <p:par>
-                    <p:cTn id="27" fill="hold">
-                      <p:stCondLst>
-                        <p:cond delay="indefinite"/>
-                      </p:stCondLst>
-                      <p:childTnLst>
-                        <p:par>
-                          <p:cTn id="28" fill="hold">
-                            <p:stCondLst>
-                              <p:cond delay="0"/>
-                            </p:stCondLst>
-                            <p:childTnLst>
                               <p:par>
-                                <p:cTn id="29" presetID="2" presetClass="entr" presetSubtype="4" fill="hold" nodeType="clickEffect">
+                                <p:cTn id="23" presetID="2" presetClass="entr" presetSubtype="4" fill="hold" nodeType="withEffect">
                                   <p:stCondLst>
                                     <p:cond delay="0"/>
                                   </p:stCondLst>
                                   <p:childTnLst>
                                     <p:set>
                                       <p:cBhvr>
-                                        <p:cTn id="30" dur="1" fill="hold">
+                                        <p:cTn id="24" dur="1" fill="hold">
                                           <p:stCondLst>
                                             <p:cond delay="0"/>
                                           </p:stCondLst>
@@ -8129,7 +8075,7 @@
                                     </p:set>
                                     <p:anim calcmode="lin" valueType="num">
                                       <p:cBhvr additive="base">
-                                        <p:cTn id="31" dur="500" fill="hold"/>
+                                        <p:cTn id="25" dur="500" fill="hold"/>
                                         <p:tgtEl>
                                           <p:spTgt spid="2">
                                             <p:txEl>
@@ -8156,7 +8102,7 @@
                                     </p:anim>
                                     <p:anim calcmode="lin" valueType="num">
                                       <p:cBhvr additive="base">
-                                        <p:cTn id="32" dur="500" fill="hold"/>
+                                        <p:cTn id="26" dur="500" fill="hold"/>
                                         <p:tgtEl>
                                           <p:spTgt spid="2">
                                             <p:txEl>
@@ -8184,33 +8130,15 @@
                                   </p:childTnLst>
                                 </p:cTn>
                               </p:par>
-                            </p:childTnLst>
-                          </p:cTn>
-                        </p:par>
-                      </p:childTnLst>
-                    </p:cTn>
-                  </p:par>
-                  <p:par>
-                    <p:cTn id="33" fill="hold">
-                      <p:stCondLst>
-                        <p:cond delay="indefinite"/>
-                      </p:stCondLst>
-                      <p:childTnLst>
-                        <p:par>
-                          <p:cTn id="34" fill="hold">
-                            <p:stCondLst>
-                              <p:cond delay="0"/>
-                            </p:stCondLst>
-                            <p:childTnLst>
                               <p:par>
-                                <p:cTn id="35" presetID="2" presetClass="entr" presetSubtype="4" fill="hold" nodeType="clickEffect">
+                                <p:cTn id="27" presetID="2" presetClass="entr" presetSubtype="4" fill="hold" nodeType="withEffect">
                                   <p:stCondLst>
                                     <p:cond delay="0"/>
                                   </p:stCondLst>
                                   <p:childTnLst>
                                     <p:set>
                                       <p:cBhvr>
-                                        <p:cTn id="36" dur="1" fill="hold">
+                                        <p:cTn id="28" dur="1" fill="hold">
                                           <p:stCondLst>
                                             <p:cond delay="0"/>
                                           </p:stCondLst>
@@ -8232,7 +8160,7 @@
                                     </p:set>
                                     <p:anim calcmode="lin" valueType="num">
                                       <p:cBhvr additive="base">
-                                        <p:cTn id="37" dur="500" fill="hold"/>
+                                        <p:cTn id="29" dur="500" fill="hold"/>
                                         <p:tgtEl>
                                           <p:spTgt spid="2">
                                             <p:txEl>
@@ -8259,7 +8187,7 @@
                                     </p:anim>
                                     <p:anim calcmode="lin" valueType="num">
                                       <p:cBhvr additive="base">
-                                        <p:cTn id="38" dur="500" fill="hold"/>
+                                        <p:cTn id="30" dur="500" fill="hold"/>
                                         <p:tgtEl>
                                           <p:spTgt spid="2">
                                             <p:txEl>
@@ -12145,6 +12073,23 @@
                 </a:solidFill>
                 <a:sym typeface="+mn-ea"/>
               </a:rPr>
+              <a:t>- String.prototype.substr(start,length?)</a:t>
+            </a:r>
+            <a:br>
+              <a:rPr lang="en-US" altLang="zh-CN" sz="2000" dirty="0">
+                <a:solidFill>
+                  <a:schemeClr val="tx1"/>
+                </a:solidFill>
+                <a:sym typeface="+mn-ea"/>
+              </a:rPr>
+            </a:br>
+            <a:r>
+              <a:rPr lang="en-US" altLang="zh-CN" sz="2000" dirty="0">
+                <a:solidFill>
+                  <a:schemeClr val="tx1"/>
+                </a:solidFill>
+                <a:sym typeface="+mn-ea"/>
+              </a:rPr>
               <a:t>- String.prototype.substring(start,end?);</a:t>
             </a:r>
             <a:br>
@@ -14566,13 +14511,11 @@
             <a:pPr algn="l"/>
             <a:r>
               <a:rPr lang="zh-CN" altLang="en-US" sz="2200">
-                <a:solidFill>
-                  <a:schemeClr val="tx1"/>
-                </a:solidFill>
                 <a:latin typeface="+mn-ea"/>
                 <a:ea typeface="+mn-ea"/>
-              </a:rPr>
-              <a:t>注意：直接定义的引用类型的变量，其</a:t>
+                <a:sym typeface="+mn-ea"/>
+              </a:rPr>
+              <a:t>注意：定义为引用类型的变量，其</a:t>
             </a:r>
             <a:r>
               <a:rPr lang="zh-CN" altLang="en-US" sz="2200">
@@ -14581,16 +14524,15 @@
                 </a:solidFill>
                 <a:latin typeface="+mn-ea"/>
                 <a:ea typeface="+mn-ea"/>
+                <a:sym typeface="+mn-ea"/>
               </a:rPr>
               <a:t>引用分配在栈区</a:t>
             </a:r>
             <a:r>
               <a:rPr lang="zh-CN" altLang="en-US" sz="2200">
-                <a:solidFill>
-                  <a:schemeClr val="tx1"/>
-                </a:solidFill>
                 <a:latin typeface="+mn-ea"/>
                 <a:ea typeface="+mn-ea"/>
+                <a:sym typeface="+mn-ea"/>
               </a:rPr>
               <a:t>，</a:t>
             </a:r>
@@ -14601,6 +14543,7 @@
                 </a:solidFill>
                 <a:latin typeface="+mn-ea"/>
                 <a:ea typeface="+mn-ea"/>
+                <a:sym typeface="+mn-ea"/>
               </a:rPr>
               <a:t>引用的对象分配在堆区</a:t>
             </a:r>
@@ -14638,13 +14581,11 @@
             <a:pPr algn="l"/>
             <a:r>
               <a:rPr lang="zh-CN" altLang="en-US" sz="2200">
-                <a:solidFill>
-                  <a:schemeClr val="tx1"/>
-                </a:solidFill>
                 <a:latin typeface="+mn-ea"/>
                 <a:ea typeface="+mn-ea"/>
-              </a:rPr>
-              <a:t>注意：直接定义的基本类型的变量分配在</a:t>
+                <a:sym typeface="+mn-ea"/>
+              </a:rPr>
+              <a:t>注意：定义为基本类型的临时变量分配在</a:t>
             </a:r>
             <a:r>
               <a:rPr lang="zh-CN" altLang="en-US" sz="2200">
@@ -14653,6 +14594,7 @@
                 </a:solidFill>
                 <a:latin typeface="+mn-ea"/>
                 <a:ea typeface="+mn-ea"/>
+                <a:sym typeface="+mn-ea"/>
               </a:rPr>
               <a:t>栈区</a:t>
             </a:r>
@@ -14764,33 +14706,15 @@
                                   </p:childTnLst>
                                 </p:cTn>
                               </p:par>
-                            </p:childTnLst>
-                          </p:cTn>
-                        </p:par>
-                      </p:childTnLst>
-                    </p:cTn>
-                  </p:par>
-                  <p:par>
-                    <p:cTn id="9" fill="hold">
-                      <p:stCondLst>
-                        <p:cond delay="indefinite"/>
-                      </p:stCondLst>
-                      <p:childTnLst>
-                        <p:par>
-                          <p:cTn id="10" fill="hold">
-                            <p:stCondLst>
-                              <p:cond delay="0"/>
-                            </p:stCondLst>
-                            <p:childTnLst>
                               <p:par>
-                                <p:cTn id="11" presetID="2" presetClass="entr" presetSubtype="4" fill="hold" grpId="0" nodeType="clickEffect">
+                                <p:cTn id="9" presetID="2" presetClass="entr" presetSubtype="4" fill="hold" grpId="0" nodeType="withEffect">
                                   <p:stCondLst>
                                     <p:cond delay="0"/>
                                   </p:stCondLst>
                                   <p:childTnLst>
                                     <p:set>
                                       <p:cBhvr>
-                                        <p:cTn id="12" dur="1" fill="hold">
+                                        <p:cTn id="10" dur="1" fill="hold">
                                           <p:stCondLst>
                                             <p:cond delay="0"/>
                                           </p:stCondLst>
@@ -14808,7 +14732,7 @@
                                     </p:set>
                                     <p:anim calcmode="lin" valueType="num">
                                       <p:cBhvr additive="base">
-                                        <p:cTn id="13" dur="500" fill="hold"/>
+                                        <p:cTn id="11" dur="500" fill="hold"/>
                                         <p:tgtEl>
                                           <p:spTgt spid="4"/>
                                         </p:tgtEl>
@@ -14831,7 +14755,7 @@
                                     </p:anim>
                                     <p:anim calcmode="lin" valueType="num">
                                       <p:cBhvr additive="base">
-                                        <p:cTn id="14" dur="500" fill="hold"/>
+                                        <p:cTn id="12" dur="500" fill="hold"/>
                                         <p:tgtEl>
                                           <p:spTgt spid="4"/>
                                         </p:tgtEl>
@@ -14883,8 +14807,8 @@
       </p:par>
     </p:tnLst>
     <p:bldLst>
+      <p:bldP spid="5" grpId="0"/>
       <p:bldP spid="4" grpId="0"/>
-      <p:bldP spid="5" grpId="0"/>
     </p:bldLst>
   </p:timing>
 </p:sld>
@@ -16309,7 +16233,7 @@
                   <a:schemeClr val="tx1"/>
                 </a:solidFill>
               </a:rPr>
-              <a:t>类型的值（）</a:t>
+              <a:t>类型的值</a:t>
             </a:r>
             <a:br>
               <a:rPr lang="zh-CN" altLang="en-US" sz="3200" dirty="0">
@@ -16365,7 +16289,7 @@
                 </a:solidFill>
                 <a:sym typeface="+mn-ea"/>
               </a:rPr>
-              <a:t>的值（）</a:t>
+              <a:t>的值</a:t>
             </a:r>
             <a:br>
               <a:rPr lang="zh-CN" altLang="en-US" sz="3200" dirty="0">
@@ -16627,13 +16551,13 @@
       </p:sp>
       <p:sp>
         <p:nvSpPr>
-          <p:cNvPr id="6" name="文本框 5"/>
+          <p:cNvPr id="7" name="文本框 6"/>
           <p:cNvSpPr txBox="1"/>
           <p:nvPr/>
         </p:nvSpPr>
         <p:spPr>
           <a:xfrm>
-            <a:off x="6377940" y="4962525"/>
+            <a:off x="6266815" y="4514850"/>
             <a:ext cx="2995930" cy="429895"/>
           </a:xfrm>
           <a:prstGeom prst="rect">
@@ -16938,7 +16862,7 @@
             <a:r>
               <a:rPr lang="zh-CN" altLang="en-US" sz="3200" dirty="0">
                 <a:solidFill>
-                  <a:schemeClr val="tx1"/>
+                  <a:srgbClr val="FF0000"/>
                 </a:solidFill>
                 <a:sym typeface="+mn-ea"/>
               </a:rPr>
@@ -17152,6 +17076,58 @@
               <a:t>）</a:t>
             </a:r>
             <a:endParaRPr lang="en-US" altLang="zh-CN" dirty="0" smtClean="0"/>
+          </a:p>
+        </p:txBody>
+      </p:sp>
+      <p:sp>
+        <p:nvSpPr>
+          <p:cNvPr id="6" name="文本框 5"/>
+          <p:cNvSpPr txBox="1"/>
+          <p:nvPr/>
+        </p:nvSpPr>
+        <p:spPr>
+          <a:xfrm>
+            <a:off x="6123305" y="3366770"/>
+            <a:ext cx="2995930" cy="429895"/>
+          </a:xfrm>
+          <a:prstGeom prst="rect">
+            <a:avLst/>
+          </a:prstGeom>
+          <a:noFill/>
+        </p:spPr>
+        <p:txBody>
+          <a:bodyPr wrap="square" rtlCol="0">
+            <a:spAutoFit/>
+          </a:bodyPr>
+          <a:p>
+            <a:pPr algn="l"/>
+            <a:r>
+              <a:rPr lang="zh-CN" altLang="en-US" sz="2200">
+                <a:solidFill>
+                  <a:srgbClr val="FF0000"/>
+                </a:solidFill>
+                <a:latin typeface="+mn-ea"/>
+                <a:ea typeface="+mn-ea"/>
+              </a:rPr>
+              <a:t>参见实例</a:t>
+            </a:r>
+            <a:r>
+              <a:rPr lang="en-US" altLang="zh-CN" sz="2200">
+                <a:solidFill>
+                  <a:srgbClr val="FF0000"/>
+                </a:solidFill>
+                <a:latin typeface="+mn-ea"/>
+                <a:ea typeface="+mn-ea"/>
+              </a:rPr>
+              <a:t>demo09</a:t>
+            </a:r>
+            <a:endParaRPr lang="en-US" altLang="zh-CN" sz="2200">
+              <a:solidFill>
+                <a:srgbClr val="FF0000"/>
+              </a:solidFill>
+              <a:latin typeface="+mn-ea"/>
+              <a:ea typeface="+mn-ea"/>
+            </a:endParaRPr>
           </a:p>
         </p:txBody>
       </p:sp>

--- a/课程PPT/02.JavaScript数据类型、值与变量.pptx
+++ b/课程PPT/02.JavaScript数据类型、值与变量.pptx
@@ -14962,7 +14962,7 @@
               <a:rPr lang="zh-CN" dirty="0">
                 <a:sym typeface="+mn-ea"/>
               </a:rPr>
-              <a:t>基本类型与引用类型的区别（本质不同）</a:t>
+              <a:t>基本类型与引用类型的区别</a:t>
             </a:r>
             <a:endParaRPr lang="zh-CN" altLang="en-US" dirty="0" smtClean="0"/>
           </a:p>
@@ -14970,7 +14970,7 @@
       </p:sp>
       <p:pic>
         <p:nvPicPr>
-          <p:cNvPr id="4" name="图片 3"/>
+          <p:cNvPr id="4" name="图片 3" descr="C:\Users\qile\Desktop\图片1.png图片1"/>
           <p:cNvPicPr>
             <a:picLocks noChangeAspect="1"/>
           </p:cNvPicPr>
@@ -14978,14 +14978,15 @@
         </p:nvPicPr>
         <p:blipFill>
           <a:blip r:embed="rId1"/>
+          <a:srcRect/>
           <a:stretch>
             <a:fillRect/>
           </a:stretch>
         </p:blipFill>
         <p:spPr>
           <a:xfrm>
-            <a:off x="1429385" y="2047240"/>
-            <a:ext cx="5935980" cy="3933190"/>
+            <a:off x="1429385" y="2047558"/>
+            <a:ext cx="5935980" cy="3932555"/>
           </a:xfrm>
           <a:prstGeom prst="rect">
             <a:avLst/>
@@ -15176,15 +15177,6 @@
               </a:rPr>
               <a:t>不同</a:t>
             </a:r>
-            <a:r>
-              <a:rPr lang="zh-CN" sz="3200" dirty="0">
-                <a:solidFill>
-                  <a:schemeClr val="tx1"/>
-                </a:solidFill>
-                <a:sym typeface="+mn-ea"/>
-              </a:rPr>
-              <a:t>（表现）</a:t>
-            </a:r>
             <a:br>
               <a:rPr lang="zh-CN" altLang="en-US" sz="2200" dirty="0">
                 <a:solidFill>
@@ -15211,7 +15203,7 @@
                 <a:cs typeface="+mn-ea"/>
                 <a:sym typeface="+mn-ea"/>
               </a:rPr>
-              <a:t>值类型是判断变量的值是否相等</a:t>
+              <a:t>值类型是判断变量的值是否相等（值比较）</a:t>
             </a:r>
             <a:br>
               <a:rPr lang="zh-CN" altLang="en-US" sz="2200" dirty="0">
@@ -15240,7 +15232,7 @@
                 <a:cs typeface="+mn-ea"/>
                 <a:sym typeface="+mn-ea"/>
               </a:rPr>
-              <a:t>引用类型是判断所指向的内存空间是否相同（没有两个一模一样的对象）</a:t>
+              <a:t>引用类型是判断所指向的内存空间是否相同（引用比较）</a:t>
             </a:r>
             <a:endParaRPr lang="zh-CN" altLang="en-US" sz="2200" dirty="0">
               <a:solidFill>
@@ -15272,7 +15264,7 @@
                 </a:solidFill>
                 <a:sym typeface="+mn-ea"/>
               </a:rPr>
-              <a:t>时的不同（表现）</a:t>
+              <a:t>时的不同</a:t>
             </a:r>
             <a:br>
               <a:rPr lang="zh-CN" sz="3200" dirty="0">
@@ -15295,7 +15287,33 @@
                 </a:solidFill>
                 <a:sym typeface="+mn-ea"/>
               </a:rPr>
-              <a:t>值传递与引用传递</a:t>
+              <a:t>值传递</a:t>
+            </a:r>
+            <a:br>
+              <a:rPr lang="zh-CN" altLang="en-US" sz="2200" dirty="0">
+                <a:solidFill>
+                  <a:schemeClr val="tx1"/>
+                </a:solidFill>
+                <a:sym typeface="+mn-ea"/>
+              </a:rPr>
+            </a:br>
+            <a:r>
+              <a:rPr lang="en-US" altLang="zh-CN" sz="2200" dirty="0">
+                <a:solidFill>
+                  <a:schemeClr val="tx1"/>
+                </a:solidFill>
+                <a:sym typeface="+mn-ea"/>
+              </a:rPr>
+              <a:t>- </a:t>
+            </a:r>
+            <a:r>
+              <a:rPr lang="zh-CN" altLang="en-US" sz="2200" dirty="0">
+                <a:solidFill>
+                  <a:schemeClr val="tx1"/>
+                </a:solidFill>
+                <a:sym typeface="+mn-ea"/>
+              </a:rPr>
+              <a:t>引用传递</a:t>
             </a:r>
             <a:endParaRPr lang="zh-CN" altLang="en-US" sz="2200" dirty="0">
               <a:solidFill>
@@ -15355,7 +15373,7 @@
               <a:rPr lang="zh-CN" dirty="0">
                 <a:sym typeface="+mn-ea"/>
               </a:rPr>
-              <a:t>基本类型与引用类型的区别（表现不同）</a:t>
+              <a:t>基本类型与引用类型的区别</a:t>
             </a:r>
             <a:endParaRPr lang="zh-CN" altLang="en-US" dirty="0" smtClean="0"/>
           </a:p>
@@ -15525,9 +15543,592 @@
   <p:timing>
     <p:tnLst>
       <p:par>
-        <p:cTn id="1" dur="indefinite" restart="never" nodeType="tmRoot"/>
+        <p:cTn id="1" dur="indefinite" restart="never" nodeType="tmRoot">
+          <p:childTnLst>
+            <p:seq concurrent="1" nextAc="seek">
+              <p:cTn id="2" dur="indefinite" nodeType="mainSeq">
+                <p:childTnLst>
+                  <p:par>
+                    <p:cTn id="3" fill="hold">
+                      <p:stCondLst>
+                        <p:cond delay="indefinite"/>
+                      </p:stCondLst>
+                      <p:childTnLst>
+                        <p:par>
+                          <p:cTn id="4" fill="hold">
+                            <p:stCondLst>
+                              <p:cond delay="0"/>
+                            </p:stCondLst>
+                            <p:childTnLst>
+                              <p:par>
+                                <p:cTn id="5" presetID="2" presetClass="entr" presetSubtype="4" fill="hold" nodeType="clickEffect">
+                                  <p:stCondLst>
+                                    <p:cond delay="0"/>
+                                  </p:stCondLst>
+                                  <p:childTnLst>
+                                    <p:set>
+                                      <p:cBhvr>
+                                        <p:cTn id="6" dur="1" fill="hold">
+                                          <p:stCondLst>
+                                            <p:cond delay="0"/>
+                                          </p:stCondLst>
+                                        </p:cTn>
+                                        <p:tgtEl>
+                                          <p:spTgt spid="2">
+                                            <p:txEl>
+                                              <p:pRg st="0" end="0"/>
+                                            </p:txEl>
+                                          </p:spTgt>
+                                        </p:tgtEl>
+                                        <p:attrNameLst>
+                                          <p:attrName>style.visibility</p:attrName>
+                                        </p:attrNameLst>
+                                      </p:cBhvr>
+                                      <p:to>
+                                        <p:strVal val="visible"/>
+                                      </p:to>
+                                    </p:set>
+                                    <p:anim calcmode="lin" valueType="num">
+                                      <p:cBhvr additive="base">
+                                        <p:cTn id="7" dur="500" fill="hold"/>
+                                        <p:tgtEl>
+                                          <p:spTgt spid="2">
+                                            <p:txEl>
+                                              <p:pRg st="0" end="0"/>
+                                            </p:txEl>
+                                          </p:spTgt>
+                                        </p:tgtEl>
+                                        <p:attrNameLst>
+                                          <p:attrName>ppt_x</p:attrName>
+                                        </p:attrNameLst>
+                                      </p:cBhvr>
+                                      <p:tavLst>
+                                        <p:tav tm="0">
+                                          <p:val>
+                                            <p:strVal val="#ppt_x"/>
+                                          </p:val>
+                                        </p:tav>
+                                        <p:tav tm="100000">
+                                          <p:val>
+                                            <p:strVal val="#ppt_x"/>
+                                          </p:val>
+                                        </p:tav>
+                                      </p:tavLst>
+                                    </p:anim>
+                                    <p:anim calcmode="lin" valueType="num">
+                                      <p:cBhvr additive="base">
+                                        <p:cTn id="8" dur="500" fill="hold"/>
+                                        <p:tgtEl>
+                                          <p:spTgt spid="2">
+                                            <p:txEl>
+                                              <p:pRg st="0" end="0"/>
+                                            </p:txEl>
+                                          </p:spTgt>
+                                        </p:tgtEl>
+                                        <p:attrNameLst>
+                                          <p:attrName>ppt_y</p:attrName>
+                                        </p:attrNameLst>
+                                      </p:cBhvr>
+                                      <p:tavLst>
+                                        <p:tav tm="0">
+                                          <p:val>
+                                            <p:strVal val="1+#ppt_h/2"/>
+                                          </p:val>
+                                        </p:tav>
+                                        <p:tav tm="100000">
+                                          <p:val>
+                                            <p:strVal val="#ppt_y"/>
+                                          </p:val>
+                                        </p:tav>
+                                      </p:tavLst>
+                                    </p:anim>
+                                  </p:childTnLst>
+                                </p:cTn>
+                              </p:par>
+                            </p:childTnLst>
+                          </p:cTn>
+                        </p:par>
+                        <p:par>
+                          <p:cTn id="9" fill="hold">
+                            <p:stCondLst>
+                              <p:cond delay="500"/>
+                            </p:stCondLst>
+                            <p:childTnLst>
+                              <p:par>
+                                <p:cTn id="10" presetID="2" presetClass="entr" presetSubtype="4" fill="hold" grpId="0" nodeType="afterEffect">
+                                  <p:stCondLst>
+                                    <p:cond delay="0"/>
+                                  </p:stCondLst>
+                                  <p:childTnLst>
+                                    <p:set>
+                                      <p:cBhvr>
+                                        <p:cTn id="11" dur="1" fill="hold">
+                                          <p:stCondLst>
+                                            <p:cond delay="0"/>
+                                          </p:stCondLst>
+                                        </p:cTn>
+                                        <p:tgtEl>
+                                          <p:spTgt spid="5"/>
+                                        </p:tgtEl>
+                                        <p:attrNameLst>
+                                          <p:attrName>style.visibility</p:attrName>
+                                        </p:attrNameLst>
+                                      </p:cBhvr>
+                                      <p:to>
+                                        <p:strVal val="visible"/>
+                                      </p:to>
+                                    </p:set>
+                                    <p:anim calcmode="lin" valueType="num">
+                                      <p:cBhvr additive="base">
+                                        <p:cTn id="12" dur="500" fill="hold"/>
+                                        <p:tgtEl>
+                                          <p:spTgt spid="5"/>
+                                        </p:tgtEl>
+                                        <p:attrNameLst>
+                                          <p:attrName>ppt_x</p:attrName>
+                                        </p:attrNameLst>
+                                      </p:cBhvr>
+                                      <p:tavLst>
+                                        <p:tav tm="0">
+                                          <p:val>
+                                            <p:strVal val="#ppt_x"/>
+                                          </p:val>
+                                        </p:tav>
+                                        <p:tav tm="100000">
+                                          <p:val>
+                                            <p:strVal val="#ppt_x"/>
+                                          </p:val>
+                                        </p:tav>
+                                      </p:tavLst>
+                                    </p:anim>
+                                    <p:anim calcmode="lin" valueType="num">
+                                      <p:cBhvr additive="base">
+                                        <p:cTn id="13" dur="500" fill="hold"/>
+                                        <p:tgtEl>
+                                          <p:spTgt spid="5"/>
+                                        </p:tgtEl>
+                                        <p:attrNameLst>
+                                          <p:attrName>ppt_y</p:attrName>
+                                        </p:attrNameLst>
+                                      </p:cBhvr>
+                                      <p:tavLst>
+                                        <p:tav tm="0">
+                                          <p:val>
+                                            <p:strVal val="1+#ppt_h/2"/>
+                                          </p:val>
+                                        </p:tav>
+                                        <p:tav tm="100000">
+                                          <p:val>
+                                            <p:strVal val="#ppt_y"/>
+                                          </p:val>
+                                        </p:tav>
+                                      </p:tavLst>
+                                    </p:anim>
+                                  </p:childTnLst>
+                                </p:cTn>
+                              </p:par>
+                            </p:childTnLst>
+                          </p:cTn>
+                        </p:par>
+                      </p:childTnLst>
+                    </p:cTn>
+                  </p:par>
+                  <p:par>
+                    <p:cTn id="14" fill="hold">
+                      <p:stCondLst>
+                        <p:cond delay="indefinite"/>
+                      </p:stCondLst>
+                      <p:childTnLst>
+                        <p:par>
+                          <p:cTn id="15" fill="hold">
+                            <p:stCondLst>
+                              <p:cond delay="0"/>
+                            </p:stCondLst>
+                            <p:childTnLst>
+                              <p:par>
+                                <p:cTn id="16" presetID="2" presetClass="entr" presetSubtype="4" fill="hold" nodeType="clickEffect">
+                                  <p:stCondLst>
+                                    <p:cond delay="0"/>
+                                  </p:stCondLst>
+                                  <p:childTnLst>
+                                    <p:set>
+                                      <p:cBhvr>
+                                        <p:cTn id="17" dur="1" fill="hold">
+                                          <p:stCondLst>
+                                            <p:cond delay="0"/>
+                                          </p:stCondLst>
+                                        </p:cTn>
+                                        <p:tgtEl>
+                                          <p:spTgt spid="2">
+                                            <p:txEl>
+                                              <p:pRg st="1" end="1"/>
+                                            </p:txEl>
+                                          </p:spTgt>
+                                        </p:tgtEl>
+                                        <p:attrNameLst>
+                                          <p:attrName>style.visibility</p:attrName>
+                                        </p:attrNameLst>
+                                      </p:cBhvr>
+                                      <p:to>
+                                        <p:strVal val="visible"/>
+                                      </p:to>
+                                    </p:set>
+                                    <p:anim calcmode="lin" valueType="num">
+                                      <p:cBhvr additive="base">
+                                        <p:cTn id="18" dur="500" fill="hold"/>
+                                        <p:tgtEl>
+                                          <p:spTgt spid="2">
+                                            <p:txEl>
+                                              <p:pRg st="1" end="1"/>
+                                            </p:txEl>
+                                          </p:spTgt>
+                                        </p:tgtEl>
+                                        <p:attrNameLst>
+                                          <p:attrName>ppt_x</p:attrName>
+                                        </p:attrNameLst>
+                                      </p:cBhvr>
+                                      <p:tavLst>
+                                        <p:tav tm="0">
+                                          <p:val>
+                                            <p:strVal val="#ppt_x"/>
+                                          </p:val>
+                                        </p:tav>
+                                        <p:tav tm="100000">
+                                          <p:val>
+                                            <p:strVal val="#ppt_x"/>
+                                          </p:val>
+                                        </p:tav>
+                                      </p:tavLst>
+                                    </p:anim>
+                                    <p:anim calcmode="lin" valueType="num">
+                                      <p:cBhvr additive="base">
+                                        <p:cTn id="19" dur="500" fill="hold"/>
+                                        <p:tgtEl>
+                                          <p:spTgt spid="2">
+                                            <p:txEl>
+                                              <p:pRg st="1" end="1"/>
+                                            </p:txEl>
+                                          </p:spTgt>
+                                        </p:tgtEl>
+                                        <p:attrNameLst>
+                                          <p:attrName>ppt_y</p:attrName>
+                                        </p:attrNameLst>
+                                      </p:cBhvr>
+                                      <p:tavLst>
+                                        <p:tav tm="0">
+                                          <p:val>
+                                            <p:strVal val="1+#ppt_h/2"/>
+                                          </p:val>
+                                        </p:tav>
+                                        <p:tav tm="100000">
+                                          <p:val>
+                                            <p:strVal val="#ppt_y"/>
+                                          </p:val>
+                                        </p:tav>
+                                      </p:tavLst>
+                                    </p:anim>
+                                  </p:childTnLst>
+                                </p:cTn>
+                              </p:par>
+                            </p:childTnLst>
+                          </p:cTn>
+                        </p:par>
+                        <p:par>
+                          <p:cTn id="20" fill="hold">
+                            <p:stCondLst>
+                              <p:cond delay="500"/>
+                            </p:stCondLst>
+                            <p:childTnLst>
+                              <p:par>
+                                <p:cTn id="21" presetID="2" presetClass="entr" presetSubtype="4" fill="hold" grpId="0" nodeType="afterEffect">
+                                  <p:stCondLst>
+                                    <p:cond delay="0"/>
+                                  </p:stCondLst>
+                                  <p:childTnLst>
+                                    <p:set>
+                                      <p:cBhvr>
+                                        <p:cTn id="22" dur="1" fill="hold">
+                                          <p:stCondLst>
+                                            <p:cond delay="0"/>
+                                          </p:stCondLst>
+                                        </p:cTn>
+                                        <p:tgtEl>
+                                          <p:spTgt spid="8"/>
+                                        </p:tgtEl>
+                                        <p:attrNameLst>
+                                          <p:attrName>style.visibility</p:attrName>
+                                        </p:attrNameLst>
+                                      </p:cBhvr>
+                                      <p:to>
+                                        <p:strVal val="visible"/>
+                                      </p:to>
+                                    </p:set>
+                                    <p:anim calcmode="lin" valueType="num">
+                                      <p:cBhvr additive="base">
+                                        <p:cTn id="23" dur="500" fill="hold"/>
+                                        <p:tgtEl>
+                                          <p:spTgt spid="8"/>
+                                        </p:tgtEl>
+                                        <p:attrNameLst>
+                                          <p:attrName>ppt_x</p:attrName>
+                                        </p:attrNameLst>
+                                      </p:cBhvr>
+                                      <p:tavLst>
+                                        <p:tav tm="0">
+                                          <p:val>
+                                            <p:strVal val="#ppt_x"/>
+                                          </p:val>
+                                        </p:tav>
+                                        <p:tav tm="100000">
+                                          <p:val>
+                                            <p:strVal val="#ppt_x"/>
+                                          </p:val>
+                                        </p:tav>
+                                      </p:tavLst>
+                                    </p:anim>
+                                    <p:anim calcmode="lin" valueType="num">
+                                      <p:cBhvr additive="base">
+                                        <p:cTn id="24" dur="500" fill="hold"/>
+                                        <p:tgtEl>
+                                          <p:spTgt spid="8"/>
+                                        </p:tgtEl>
+                                        <p:attrNameLst>
+                                          <p:attrName>ppt_y</p:attrName>
+                                        </p:attrNameLst>
+                                      </p:cBhvr>
+                                      <p:tavLst>
+                                        <p:tav tm="0">
+                                          <p:val>
+                                            <p:strVal val="1+#ppt_h/2"/>
+                                          </p:val>
+                                        </p:tav>
+                                        <p:tav tm="100000">
+                                          <p:val>
+                                            <p:strVal val="#ppt_y"/>
+                                          </p:val>
+                                        </p:tav>
+                                      </p:tavLst>
+                                    </p:anim>
+                                  </p:childTnLst>
+                                </p:cTn>
+                              </p:par>
+                            </p:childTnLst>
+                          </p:cTn>
+                        </p:par>
+                      </p:childTnLst>
+                    </p:cTn>
+                  </p:par>
+                  <p:par>
+                    <p:cTn id="25" fill="hold">
+                      <p:stCondLst>
+                        <p:cond delay="indefinite"/>
+                      </p:stCondLst>
+                      <p:childTnLst>
+                        <p:par>
+                          <p:cTn id="26" fill="hold">
+                            <p:stCondLst>
+                              <p:cond delay="0"/>
+                            </p:stCondLst>
+                            <p:childTnLst>
+                              <p:par>
+                                <p:cTn id="27" presetID="2" presetClass="entr" presetSubtype="4" fill="hold" nodeType="clickEffect">
+                                  <p:stCondLst>
+                                    <p:cond delay="0"/>
+                                  </p:stCondLst>
+                                  <p:childTnLst>
+                                    <p:set>
+                                      <p:cBhvr>
+                                        <p:cTn id="28" dur="1" fill="hold">
+                                          <p:stCondLst>
+                                            <p:cond delay="0"/>
+                                          </p:stCondLst>
+                                        </p:cTn>
+                                        <p:tgtEl>
+                                          <p:spTgt spid="2">
+                                            <p:txEl>
+                                              <p:pRg st="2" end="2"/>
+                                            </p:txEl>
+                                          </p:spTgt>
+                                        </p:tgtEl>
+                                        <p:attrNameLst>
+                                          <p:attrName>style.visibility</p:attrName>
+                                        </p:attrNameLst>
+                                      </p:cBhvr>
+                                      <p:to>
+                                        <p:strVal val="visible"/>
+                                      </p:to>
+                                    </p:set>
+                                    <p:anim calcmode="lin" valueType="num">
+                                      <p:cBhvr additive="base">
+                                        <p:cTn id="29" dur="500" fill="hold"/>
+                                        <p:tgtEl>
+                                          <p:spTgt spid="2">
+                                            <p:txEl>
+                                              <p:pRg st="2" end="2"/>
+                                            </p:txEl>
+                                          </p:spTgt>
+                                        </p:tgtEl>
+                                        <p:attrNameLst>
+                                          <p:attrName>ppt_x</p:attrName>
+                                        </p:attrNameLst>
+                                      </p:cBhvr>
+                                      <p:tavLst>
+                                        <p:tav tm="0">
+                                          <p:val>
+                                            <p:strVal val="#ppt_x"/>
+                                          </p:val>
+                                        </p:tav>
+                                        <p:tav tm="100000">
+                                          <p:val>
+                                            <p:strVal val="#ppt_x"/>
+                                          </p:val>
+                                        </p:tav>
+                                      </p:tavLst>
+                                    </p:anim>
+                                    <p:anim calcmode="lin" valueType="num">
+                                      <p:cBhvr additive="base">
+                                        <p:cTn id="30" dur="500" fill="hold"/>
+                                        <p:tgtEl>
+                                          <p:spTgt spid="2">
+                                            <p:txEl>
+                                              <p:pRg st="2" end="2"/>
+                                            </p:txEl>
+                                          </p:spTgt>
+                                        </p:tgtEl>
+                                        <p:attrNameLst>
+                                          <p:attrName>ppt_y</p:attrName>
+                                        </p:attrNameLst>
+                                      </p:cBhvr>
+                                      <p:tavLst>
+                                        <p:tav tm="0">
+                                          <p:val>
+                                            <p:strVal val="1+#ppt_h/2"/>
+                                          </p:val>
+                                        </p:tav>
+                                        <p:tav tm="100000">
+                                          <p:val>
+                                            <p:strVal val="#ppt_y"/>
+                                          </p:val>
+                                        </p:tav>
+                                      </p:tavLst>
+                                    </p:anim>
+                                  </p:childTnLst>
+                                </p:cTn>
+                              </p:par>
+                            </p:childTnLst>
+                          </p:cTn>
+                        </p:par>
+                        <p:par>
+                          <p:cTn id="31" fill="hold">
+                            <p:stCondLst>
+                              <p:cond delay="500"/>
+                            </p:stCondLst>
+                            <p:childTnLst>
+                              <p:par>
+                                <p:cTn id="32" presetID="2" presetClass="entr" presetSubtype="4" fill="hold" grpId="0" nodeType="afterEffect">
+                                  <p:stCondLst>
+                                    <p:cond delay="0"/>
+                                  </p:stCondLst>
+                                  <p:childTnLst>
+                                    <p:set>
+                                      <p:cBhvr>
+                                        <p:cTn id="33" dur="1" fill="hold">
+                                          <p:stCondLst>
+                                            <p:cond delay="0"/>
+                                          </p:stCondLst>
+                                        </p:cTn>
+                                        <p:tgtEl>
+                                          <p:spTgt spid="4"/>
+                                        </p:tgtEl>
+                                        <p:attrNameLst>
+                                          <p:attrName>style.visibility</p:attrName>
+                                        </p:attrNameLst>
+                                      </p:cBhvr>
+                                      <p:to>
+                                        <p:strVal val="visible"/>
+                                      </p:to>
+                                    </p:set>
+                                    <p:anim calcmode="lin" valueType="num">
+                                      <p:cBhvr additive="base">
+                                        <p:cTn id="34" dur="500" fill="hold"/>
+                                        <p:tgtEl>
+                                          <p:spTgt spid="4"/>
+                                        </p:tgtEl>
+                                        <p:attrNameLst>
+                                          <p:attrName>ppt_x</p:attrName>
+                                        </p:attrNameLst>
+                                      </p:cBhvr>
+                                      <p:tavLst>
+                                        <p:tav tm="0">
+                                          <p:val>
+                                            <p:strVal val="#ppt_x"/>
+                                          </p:val>
+                                        </p:tav>
+                                        <p:tav tm="100000">
+                                          <p:val>
+                                            <p:strVal val="#ppt_x"/>
+                                          </p:val>
+                                        </p:tav>
+                                      </p:tavLst>
+                                    </p:anim>
+                                    <p:anim calcmode="lin" valueType="num">
+                                      <p:cBhvr additive="base">
+                                        <p:cTn id="35" dur="500" fill="hold"/>
+                                        <p:tgtEl>
+                                          <p:spTgt spid="4"/>
+                                        </p:tgtEl>
+                                        <p:attrNameLst>
+                                          <p:attrName>ppt_y</p:attrName>
+                                        </p:attrNameLst>
+                                      </p:cBhvr>
+                                      <p:tavLst>
+                                        <p:tav tm="0">
+                                          <p:val>
+                                            <p:strVal val="1+#ppt_h/2"/>
+                                          </p:val>
+                                        </p:tav>
+                                        <p:tav tm="100000">
+                                          <p:val>
+                                            <p:strVal val="#ppt_y"/>
+                                          </p:val>
+                                        </p:tav>
+                                      </p:tavLst>
+                                    </p:anim>
+                                  </p:childTnLst>
+                                </p:cTn>
+                              </p:par>
+                            </p:childTnLst>
+                          </p:cTn>
+                        </p:par>
+                      </p:childTnLst>
+                    </p:cTn>
+                  </p:par>
+                </p:childTnLst>
+              </p:cTn>
+              <p:prevCondLst>
+                <p:cond evt="onPrev" delay="0">
+                  <p:tgtEl>
+                    <p:sldTgt/>
+                  </p:tgtEl>
+                </p:cond>
+              </p:prevCondLst>
+              <p:nextCondLst>
+                <p:cond evt="onNext" delay="0">
+                  <p:tgtEl>
+                    <p:sldTgt/>
+                  </p:tgtEl>
+                </p:cond>
+              </p:nextCondLst>
+            </p:seq>
+          </p:childTnLst>
+        </p:cTn>
       </p:par>
     </p:tnLst>
+    <p:bldLst>
+      <p:bldP spid="5" grpId="0"/>
+      <p:bldP spid="8" grpId="0"/>
+      <p:bldP spid="4" grpId="0"/>
+    </p:bldLst>
   </p:timing>
 </p:sld>
 </file>

--- a/课程PPT/02.JavaScript数据类型、值与变量.pptx
+++ b/课程PPT/02.JavaScript数据类型、值与变量.pptx
@@ -5511,6 +5511,58 @@
           </a:prstGeom>
         </p:spPr>
       </p:pic>
+      <p:sp>
+        <p:nvSpPr>
+          <p:cNvPr id="4" name="文本框 3"/>
+          <p:cNvSpPr txBox="1"/>
+          <p:nvPr/>
+        </p:nvSpPr>
+        <p:spPr>
+          <a:xfrm>
+            <a:off x="5715000" y="6107430"/>
+            <a:ext cx="3917315" cy="429895"/>
+          </a:xfrm>
+          <a:prstGeom prst="rect">
+            <a:avLst/>
+          </a:prstGeom>
+          <a:noFill/>
+        </p:spPr>
+        <p:txBody>
+          <a:bodyPr wrap="square" rtlCol="0">
+            <a:spAutoFit/>
+          </a:bodyPr>
+          <a:p>
+            <a:pPr algn="l"/>
+            <a:r>
+              <a:rPr lang="zh-CN" altLang="en-US" sz="2200">
+                <a:solidFill>
+                  <a:srgbClr val="FF0000"/>
+                </a:solidFill>
+                <a:latin typeface="+mn-ea"/>
+                <a:ea typeface="+mn-ea"/>
+              </a:rPr>
+              <a:t>参见实例</a:t>
+            </a:r>
+            <a:r>
+              <a:rPr lang="en-US" altLang="zh-CN" sz="2200">
+                <a:solidFill>
+                  <a:srgbClr val="FF0000"/>
+                </a:solidFill>
+                <a:latin typeface="+mn-ea"/>
+                <a:ea typeface="+mn-ea"/>
+              </a:rPr>
+              <a:t>demo11 Part1</a:t>
+            </a:r>
+            <a:endParaRPr lang="en-US" altLang="zh-CN" sz="2200">
+              <a:solidFill>
+                <a:srgbClr val="FF0000"/>
+              </a:solidFill>
+              <a:latin typeface="+mn-ea"/>
+              <a:ea typeface="+mn-ea"/>
+            </a:endParaRPr>
+          </a:p>
+        </p:txBody>
+      </p:sp>
     </p:spTree>
   </p:cSld>
   <p:clrMapOvr>
@@ -5837,6 +5889,58 @@
           </a:prstGeom>
         </p:spPr>
       </p:pic>
+      <p:sp>
+        <p:nvSpPr>
+          <p:cNvPr id="4" name="文本框 3"/>
+          <p:cNvSpPr txBox="1"/>
+          <p:nvPr/>
+        </p:nvSpPr>
+        <p:spPr>
+          <a:xfrm>
+            <a:off x="5715000" y="6107430"/>
+            <a:ext cx="3917315" cy="429895"/>
+          </a:xfrm>
+          <a:prstGeom prst="rect">
+            <a:avLst/>
+          </a:prstGeom>
+          <a:noFill/>
+        </p:spPr>
+        <p:txBody>
+          <a:bodyPr wrap="square" rtlCol="0">
+            <a:spAutoFit/>
+          </a:bodyPr>
+          <a:p>
+            <a:pPr algn="l"/>
+            <a:r>
+              <a:rPr lang="zh-CN" altLang="en-US" sz="2200">
+                <a:solidFill>
+                  <a:srgbClr val="FF0000"/>
+                </a:solidFill>
+                <a:latin typeface="+mn-ea"/>
+                <a:ea typeface="+mn-ea"/>
+              </a:rPr>
+              <a:t>参见实例</a:t>
+            </a:r>
+            <a:r>
+              <a:rPr lang="en-US" altLang="zh-CN" sz="2200">
+                <a:solidFill>
+                  <a:srgbClr val="FF0000"/>
+                </a:solidFill>
+                <a:latin typeface="+mn-ea"/>
+                <a:ea typeface="+mn-ea"/>
+              </a:rPr>
+              <a:t>demo11 Part2</a:t>
+            </a:r>
+            <a:endParaRPr lang="en-US" altLang="zh-CN" sz="2200">
+              <a:solidFill>
+                <a:srgbClr val="FF0000"/>
+              </a:solidFill>
+              <a:latin typeface="+mn-ea"/>
+              <a:ea typeface="+mn-ea"/>
+            </a:endParaRPr>
+          </a:p>
+        </p:txBody>
+      </p:sp>
     </p:spTree>
   </p:cSld>
   <p:clrMapOvr>
@@ -6147,6 +6251,58 @@
           </a:prstGeom>
         </p:spPr>
       </p:pic>
+      <p:sp>
+        <p:nvSpPr>
+          <p:cNvPr id="5" name="文本框 4"/>
+          <p:cNvSpPr txBox="1"/>
+          <p:nvPr/>
+        </p:nvSpPr>
+        <p:spPr>
+          <a:xfrm>
+            <a:off x="5715000" y="6107430"/>
+            <a:ext cx="3917315" cy="429895"/>
+          </a:xfrm>
+          <a:prstGeom prst="rect">
+            <a:avLst/>
+          </a:prstGeom>
+          <a:noFill/>
+        </p:spPr>
+        <p:txBody>
+          <a:bodyPr wrap="square" rtlCol="0">
+            <a:spAutoFit/>
+          </a:bodyPr>
+          <a:p>
+            <a:pPr algn="l"/>
+            <a:r>
+              <a:rPr lang="zh-CN" altLang="en-US" sz="2200">
+                <a:solidFill>
+                  <a:srgbClr val="FF0000"/>
+                </a:solidFill>
+                <a:latin typeface="+mn-ea"/>
+                <a:ea typeface="+mn-ea"/>
+              </a:rPr>
+              <a:t>参见实例</a:t>
+            </a:r>
+            <a:r>
+              <a:rPr lang="en-US" altLang="zh-CN" sz="2200">
+                <a:solidFill>
+                  <a:srgbClr val="FF0000"/>
+                </a:solidFill>
+                <a:latin typeface="+mn-ea"/>
+                <a:ea typeface="+mn-ea"/>
+              </a:rPr>
+              <a:t>demo11 Part3</a:t>
+            </a:r>
+            <a:endParaRPr lang="en-US" altLang="zh-CN" sz="2200">
+              <a:solidFill>
+                <a:srgbClr val="FF0000"/>
+              </a:solidFill>
+              <a:latin typeface="+mn-ea"/>
+              <a:ea typeface="+mn-ea"/>
+            </a:endParaRPr>
+          </a:p>
+        </p:txBody>
+      </p:sp>
     </p:spTree>
   </p:cSld>
   <p:clrMapOvr>
@@ -7065,7 +7221,7 @@
         <p:spPr>
           <a:xfrm>
             <a:off x="6341745" y="1045845"/>
-            <a:ext cx="2995930" cy="429895"/>
+            <a:ext cx="3589655" cy="429895"/>
           </a:xfrm>
           <a:prstGeom prst="rect">
             <a:avLst/>
@@ -7096,7 +7252,7 @@
                 <a:latin typeface="+mn-ea"/>
                 <a:ea typeface="+mn-ea"/>
               </a:rPr>
-              <a:t>demo11</a:t>
+              <a:t>demo12 Part1 </a:t>
             </a:r>
             <a:endParaRPr lang="en-US" altLang="zh-CN" sz="2200">
               <a:solidFill>
@@ -7117,7 +7273,7 @@
         <p:spPr>
           <a:xfrm>
             <a:off x="7521575" y="3700145"/>
-            <a:ext cx="2995930" cy="429895"/>
+            <a:ext cx="3336925" cy="429895"/>
           </a:xfrm>
           <a:prstGeom prst="rect">
             <a:avLst/>
@@ -7148,7 +7304,7 @@
                 <a:latin typeface="+mn-ea"/>
                 <a:ea typeface="+mn-ea"/>
               </a:rPr>
-              <a:t>demo12</a:t>
+              <a:t>demo12 Part2 </a:t>
             </a:r>
             <a:endParaRPr lang="en-US" altLang="zh-CN" sz="2200">
               <a:solidFill>
@@ -12210,7 +12366,7 @@
         <p:spPr>
           <a:xfrm>
             <a:off x="6931660" y="3584575"/>
-            <a:ext cx="2469515" cy="429895"/>
+            <a:ext cx="3795395" cy="429895"/>
           </a:xfrm>
           <a:prstGeom prst="rect">
             <a:avLst/>
@@ -12241,7 +12397,7 @@
                 <a:latin typeface="+mn-ea"/>
                 <a:ea typeface="+mn-ea"/>
               </a:rPr>
-              <a:t>demo14</a:t>
+              <a:t>demo14 Part1</a:t>
             </a:r>
             <a:endParaRPr lang="en-US" altLang="zh-CN" sz="2200">
               <a:solidFill>
@@ -12609,7 +12765,7 @@
         <p:spPr>
           <a:xfrm>
             <a:off x="7379335" y="1767840"/>
-            <a:ext cx="2469515" cy="429895"/>
+            <a:ext cx="3839845" cy="429895"/>
           </a:xfrm>
           <a:prstGeom prst="rect">
             <a:avLst/>
@@ -12640,7 +12796,18 @@
                 <a:latin typeface="+mn-ea"/>
                 <a:ea typeface="+mn-ea"/>
               </a:rPr>
-              <a:t>demo15</a:t>
+              <a:t>demo14 </a:t>
+            </a:r>
+            <a:r>
+              <a:rPr lang="en-US" altLang="zh-CN" sz="2200">
+                <a:solidFill>
+                  <a:srgbClr val="FF0000"/>
+                </a:solidFill>
+                <a:latin typeface="+mn-ea"/>
+                <a:ea typeface="+mn-ea"/>
+                <a:sym typeface="+mn-ea"/>
+              </a:rPr>
+              <a:t> Part2</a:t>
             </a:r>
             <a:endParaRPr lang="en-US" altLang="zh-CN" sz="2200">
               <a:solidFill>
@@ -12660,8 +12827,8 @@
         </p:nvSpPr>
         <p:spPr>
           <a:xfrm>
-            <a:off x="8582660" y="4621530"/>
-            <a:ext cx="2469515" cy="429895"/>
+            <a:off x="7561580" y="5109210"/>
+            <a:ext cx="3656965" cy="429895"/>
           </a:xfrm>
           <a:prstGeom prst="rect">
             <a:avLst/>
@@ -12681,6 +12848,7 @@
                 </a:solidFill>
                 <a:latin typeface="+mn-ea"/>
                 <a:ea typeface="+mn-ea"/>
+                <a:sym typeface="+mn-ea"/>
               </a:rPr>
               <a:t>参见实例</a:t>
             </a:r>
@@ -12691,8 +12859,20 @@
                 </a:solidFill>
                 <a:latin typeface="+mn-ea"/>
                 <a:ea typeface="+mn-ea"/>
-              </a:rPr>
-              <a:t>demo16</a:t>
+                <a:sym typeface="+mn-ea"/>
+              </a:rPr>
+              <a:t>demo14 </a:t>
+            </a:r>
+            <a:r>
+              <a:rPr lang="en-US" altLang="zh-CN" sz="2200">
+                <a:solidFill>
+                  <a:srgbClr val="FF0000"/>
+                </a:solidFill>
+                <a:latin typeface="+mn-ea"/>
+                <a:ea typeface="+mn-ea"/>
+                <a:sym typeface="+mn-ea"/>
+              </a:rPr>
+              <a:t> Part3</a:t>
             </a:r>
             <a:endParaRPr lang="en-US" altLang="zh-CN" sz="2200">
               <a:solidFill>
@@ -12935,8 +13115,8 @@
         </p:nvSpPr>
         <p:spPr>
           <a:xfrm>
-            <a:off x="8911590" y="1856740"/>
-            <a:ext cx="2469515" cy="429895"/>
+            <a:off x="7265670" y="2527300"/>
+            <a:ext cx="3581400" cy="429895"/>
           </a:xfrm>
           <a:prstGeom prst="rect">
             <a:avLst/>
@@ -12956,6 +13136,7 @@
                 </a:solidFill>
                 <a:latin typeface="+mn-ea"/>
                 <a:ea typeface="+mn-ea"/>
+                <a:sym typeface="+mn-ea"/>
               </a:rPr>
               <a:t>参见实例</a:t>
             </a:r>
@@ -12966,8 +13147,9 @@
                 </a:solidFill>
                 <a:latin typeface="+mn-ea"/>
                 <a:ea typeface="+mn-ea"/>
-              </a:rPr>
-              <a:t>demo17</a:t>
+                <a:sym typeface="+mn-ea"/>
+              </a:rPr>
+              <a:t>demo14  Part4</a:t>
             </a:r>
             <a:endParaRPr lang="en-US" altLang="zh-CN" sz="2200">
               <a:solidFill>
@@ -13714,23 +13896,38 @@
                 <a:spcPct val="130000"/>
               </a:lnSpc>
             </a:pPr>
-            <a:br>
-              <a:rPr lang="en-US" altLang="zh-CN" sz="3200">
-                <a:solidFill>
-                  <a:schemeClr val="tx1"/>
-                </a:solidFill>
-                <a:sym typeface="+mn-ea"/>
-              </a:rPr>
-            </a:br>
-            <a:br>
-              <a:rPr kumimoji="0" lang="zh-CN" altLang="en-US" sz="2000" dirty="0" smtClean="0">
-                <a:solidFill>
-                  <a:schemeClr val="tx1"/>
-                </a:solidFill>
-                <a:sym typeface="+mn-ea"/>
-              </a:rPr>
-            </a:br>
-            <a:endParaRPr kumimoji="0" lang="zh-CN" altLang="en-US" sz="2000" dirty="0" smtClean="0">
+            <a:r>
+              <a:rPr kumimoji="0" lang="en-US" altLang="zh-CN" sz="3200" dirty="0" smtClean="0">
+                <a:solidFill>
+                  <a:schemeClr val="tx1"/>
+                </a:solidFill>
+                <a:sym typeface="+mn-ea"/>
+              </a:rPr>
+              <a:t> </a:t>
+            </a:r>
+            <a:r>
+              <a:rPr kumimoji="0" lang="zh-CN" altLang="en-US" sz="3200" dirty="0" smtClean="0">
+                <a:solidFill>
+                  <a:schemeClr val="tx1"/>
+                </a:solidFill>
+                <a:sym typeface="+mn-ea"/>
+              </a:rPr>
+              <a:t>复习本章课件及练习</a:t>
+            </a:r>
+            <a:endParaRPr kumimoji="0" lang="zh-CN" altLang="en-US" sz="3200" dirty="0" smtClean="0">
+              <a:solidFill>
+                <a:schemeClr val="tx1"/>
+              </a:solidFill>
+              <a:sym typeface="+mn-ea"/>
+            </a:endParaRPr>
+          </a:p>
+          <a:p>
+            <a:pPr>
+              <a:lnSpc>
+                <a:spcPct val="130000"/>
+              </a:lnSpc>
+            </a:pPr>
+            <a:endParaRPr kumimoji="0" lang="zh-CN" altLang="en-US" sz="3200" dirty="0" smtClean="0">
               <a:solidFill>
                 <a:schemeClr val="tx1"/>
               </a:solidFill>
@@ -13992,7 +14189,7 @@
                 </a:solidFill>
                 <a:sym typeface="+mn-ea"/>
               </a:rPr>
-              <a:t>Bool</a:t>
+              <a:t>Boolean</a:t>
             </a:r>
             <a:r>
               <a:rPr lang="zh-CN" altLang="en-US" sz="2000" dirty="0">

--- a/课程PPT/02.JavaScript数据类型、值与变量.pptx
+++ b/课程PPT/02.JavaScript数据类型、值与变量.pptx
@@ -4650,8 +4650,8 @@
         </p:nvSpPr>
         <p:spPr>
           <a:xfrm>
-            <a:off x="5512435" y="1058545"/>
-            <a:ext cx="2995930" cy="429895"/>
+            <a:off x="8633460" y="5607685"/>
+            <a:ext cx="2553970" cy="429895"/>
           </a:xfrm>
           <a:prstGeom prst="rect">
             <a:avLst/>
@@ -10112,6 +10112,83 @@
           </a:prstGeom>
         </p:spPr>
       </p:pic>
+      <p:sp>
+        <p:nvSpPr>
+          <p:cNvPr id="5" name="文本框 4"/>
+          <p:cNvSpPr txBox="1"/>
+          <p:nvPr/>
+        </p:nvSpPr>
+        <p:spPr>
+          <a:xfrm>
+            <a:off x="8493760" y="5507990"/>
+            <a:ext cx="2788920" cy="768350"/>
+          </a:xfrm>
+          <a:prstGeom prst="rect">
+            <a:avLst/>
+          </a:prstGeom>
+          <a:noFill/>
+        </p:spPr>
+        <p:txBody>
+          <a:bodyPr wrap="square" rtlCol="0">
+            <a:spAutoFit/>
+          </a:bodyPr>
+          <a:p>
+            <a:pPr algn="l"/>
+            <a:r>
+              <a:rPr lang="zh-CN" altLang="en-US" sz="2200">
+                <a:solidFill>
+                  <a:srgbClr val="FF0000"/>
+                </a:solidFill>
+                <a:sym typeface="+mn-ea"/>
+              </a:rPr>
+              <a:t>其他部分参见《深入理解</a:t>
+            </a:r>
+            <a:r>
+              <a:rPr lang="en-US" altLang="zh-CN" sz="2200">
+                <a:solidFill>
+                  <a:srgbClr val="FF0000"/>
+                </a:solidFill>
+                <a:sym typeface="+mn-ea"/>
+              </a:rPr>
+              <a:t>JS</a:t>
+            </a:r>
+            <a:r>
+              <a:rPr lang="zh-CN" altLang="en-US" sz="2200">
+                <a:solidFill>
+                  <a:srgbClr val="FF0000"/>
+                </a:solidFill>
+                <a:sym typeface="+mn-ea"/>
+              </a:rPr>
+              <a:t>》第</a:t>
+            </a:r>
+            <a:r>
+              <a:rPr lang="en-US" altLang="zh-CN" sz="2200">
+                <a:solidFill>
+                  <a:srgbClr val="FF0000"/>
+                </a:solidFill>
+                <a:sym typeface="+mn-ea"/>
+              </a:rPr>
+              <a:t>10</a:t>
+            </a:r>
+            <a:r>
+              <a:rPr lang="zh-CN" altLang="en-US" sz="2200">
+                <a:solidFill>
+                  <a:srgbClr val="FF0000"/>
+                </a:solidFill>
+                <a:sym typeface="+mn-ea"/>
+              </a:rPr>
+              <a:t>章</a:t>
+            </a:r>
+            <a:endParaRPr lang="en-US" altLang="zh-CN" sz="2200">
+              <a:solidFill>
+                <a:srgbClr val="FF0000"/>
+              </a:solidFill>
+              <a:latin typeface="+mn-ea"/>
+              <a:ea typeface="+mn-ea"/>
+            </a:endParaRPr>
+          </a:p>
+        </p:txBody>
+      </p:sp>
     </p:spTree>
   </p:cSld>
   <p:clrMapOvr>
@@ -11064,6 +11141,83 @@
                 <a:ea typeface="+mn-ea"/>
               </a:rPr>
               <a:t>demo13</a:t>
+            </a:r>
+            <a:endParaRPr lang="en-US" altLang="zh-CN" sz="2200">
+              <a:solidFill>
+                <a:srgbClr val="FF0000"/>
+              </a:solidFill>
+              <a:latin typeface="+mn-ea"/>
+              <a:ea typeface="+mn-ea"/>
+            </a:endParaRPr>
+          </a:p>
+        </p:txBody>
+      </p:sp>
+      <p:sp>
+        <p:nvSpPr>
+          <p:cNvPr id="4" name="文本框 3"/>
+          <p:cNvSpPr txBox="1"/>
+          <p:nvPr/>
+        </p:nvSpPr>
+        <p:spPr>
+          <a:xfrm>
+            <a:off x="8493760" y="5579745"/>
+            <a:ext cx="2788920" cy="768350"/>
+          </a:xfrm>
+          <a:prstGeom prst="rect">
+            <a:avLst/>
+          </a:prstGeom>
+          <a:noFill/>
+        </p:spPr>
+        <p:txBody>
+          <a:bodyPr wrap="square" rtlCol="0">
+            <a:spAutoFit/>
+          </a:bodyPr>
+          <a:p>
+            <a:pPr algn="l"/>
+            <a:r>
+              <a:rPr lang="zh-CN" altLang="en-US" sz="2200">
+                <a:solidFill>
+                  <a:srgbClr val="FF0000"/>
+                </a:solidFill>
+                <a:sym typeface="+mn-ea"/>
+              </a:rPr>
+              <a:t>其他部分参见《深入理解</a:t>
+            </a:r>
+            <a:r>
+              <a:rPr lang="en-US" altLang="zh-CN" sz="2200">
+                <a:solidFill>
+                  <a:srgbClr val="FF0000"/>
+                </a:solidFill>
+                <a:sym typeface="+mn-ea"/>
+              </a:rPr>
+              <a:t>JS</a:t>
+            </a:r>
+            <a:r>
+              <a:rPr lang="zh-CN" altLang="en-US" sz="2200">
+                <a:solidFill>
+                  <a:srgbClr val="FF0000"/>
+                </a:solidFill>
+                <a:sym typeface="+mn-ea"/>
+              </a:rPr>
+              <a:t>》第</a:t>
+            </a:r>
+            <a:r>
+              <a:rPr lang="en-US" altLang="zh-CN" sz="2200">
+                <a:solidFill>
+                  <a:srgbClr val="FF0000"/>
+                </a:solidFill>
+                <a:sym typeface="+mn-ea"/>
+              </a:rPr>
+              <a:t>11</a:t>
+            </a:r>
+            <a:r>
+              <a:rPr lang="zh-CN" altLang="en-US" sz="2200">
+                <a:solidFill>
+                  <a:srgbClr val="FF0000"/>
+                </a:solidFill>
+                <a:sym typeface="+mn-ea"/>
+              </a:rPr>
+              <a:t>章</a:t>
             </a:r>
             <a:endParaRPr lang="en-US" altLang="zh-CN" sz="2200">
               <a:solidFill>
@@ -12861,18 +13015,7 @@
                 <a:ea typeface="+mn-ea"/>
                 <a:sym typeface="+mn-ea"/>
               </a:rPr>
-              <a:t>demo14 </a:t>
-            </a:r>
-            <a:r>
-              <a:rPr lang="en-US" altLang="zh-CN" sz="2200">
-                <a:solidFill>
-                  <a:srgbClr val="FF0000"/>
-                </a:solidFill>
-                <a:latin typeface="+mn-ea"/>
-                <a:ea typeface="+mn-ea"/>
-                <a:sym typeface="+mn-ea"/>
-              </a:rPr>
-              <a:t> Part3</a:t>
+              <a:t>demo14  Part3</a:t>
             </a:r>
             <a:endParaRPr lang="en-US" altLang="zh-CN" sz="2200">
               <a:solidFill>
@@ -13150,6 +13293,83 @@
                 <a:sym typeface="+mn-ea"/>
               </a:rPr>
               <a:t>demo14  Part4</a:t>
+            </a:r>
+            <a:endParaRPr lang="en-US" altLang="zh-CN" sz="2200">
+              <a:solidFill>
+                <a:srgbClr val="FF0000"/>
+              </a:solidFill>
+              <a:latin typeface="+mn-ea"/>
+              <a:ea typeface="+mn-ea"/>
+            </a:endParaRPr>
+          </a:p>
+        </p:txBody>
+      </p:sp>
+      <p:sp>
+        <p:nvSpPr>
+          <p:cNvPr id="5" name="文本框 4"/>
+          <p:cNvSpPr txBox="1"/>
+          <p:nvPr/>
+        </p:nvSpPr>
+        <p:spPr>
+          <a:xfrm>
+            <a:off x="8509000" y="5269230"/>
+            <a:ext cx="2788920" cy="768350"/>
+          </a:xfrm>
+          <a:prstGeom prst="rect">
+            <a:avLst/>
+          </a:prstGeom>
+          <a:noFill/>
+        </p:spPr>
+        <p:txBody>
+          <a:bodyPr wrap="square" rtlCol="0">
+            <a:spAutoFit/>
+          </a:bodyPr>
+          <a:p>
+            <a:pPr algn="l"/>
+            <a:r>
+              <a:rPr lang="zh-CN" altLang="en-US" sz="2200">
+                <a:solidFill>
+                  <a:srgbClr val="FF0000"/>
+                </a:solidFill>
+                <a:sym typeface="+mn-ea"/>
+              </a:rPr>
+              <a:t>其他部分参见《深入理解</a:t>
+            </a:r>
+            <a:r>
+              <a:rPr lang="en-US" altLang="zh-CN" sz="2200">
+                <a:solidFill>
+                  <a:srgbClr val="FF0000"/>
+                </a:solidFill>
+                <a:sym typeface="+mn-ea"/>
+              </a:rPr>
+              <a:t>JS</a:t>
+            </a:r>
+            <a:r>
+              <a:rPr lang="zh-CN" altLang="en-US" sz="2200">
+                <a:solidFill>
+                  <a:srgbClr val="FF0000"/>
+                </a:solidFill>
+                <a:sym typeface="+mn-ea"/>
+              </a:rPr>
+              <a:t>》第</a:t>
+            </a:r>
+            <a:r>
+              <a:rPr lang="en-US" altLang="zh-CN" sz="2200">
+                <a:solidFill>
+                  <a:srgbClr val="FF0000"/>
+                </a:solidFill>
+                <a:sym typeface="+mn-ea"/>
+              </a:rPr>
+              <a:t>12</a:t>
+            </a:r>
+            <a:r>
+              <a:rPr lang="zh-CN" altLang="en-US" sz="2200">
+                <a:solidFill>
+                  <a:srgbClr val="FF0000"/>
+                </a:solidFill>
+                <a:sym typeface="+mn-ea"/>
+              </a:rPr>
+              <a:t>章</a:t>
             </a:r>
             <a:endParaRPr lang="en-US" altLang="zh-CN" sz="2200">
               <a:solidFill>
@@ -13864,7 +14084,7 @@
         <p:spPr bwMode="auto">
           <a:xfrm>
             <a:off x="947420" y="940435"/>
-            <a:ext cx="9518015" cy="5115560"/>
+            <a:ext cx="10493375" cy="5115560"/>
           </a:xfrm>
           <a:noFill/>
           <a:extLst>
@@ -13913,6 +14133,73 @@
                 <a:sym typeface="+mn-ea"/>
               </a:rPr>
               <a:t>复习本章课件及练习</a:t>
+            </a:r>
+            <a:endParaRPr kumimoji="0" lang="zh-CN" altLang="en-US" sz="3200" dirty="0" smtClean="0">
+              <a:solidFill>
+                <a:schemeClr val="tx1"/>
+              </a:solidFill>
+              <a:sym typeface="+mn-ea"/>
+            </a:endParaRPr>
+          </a:p>
+          <a:p>
+            <a:pPr>
+              <a:lnSpc>
+                <a:spcPct val="130000"/>
+              </a:lnSpc>
+            </a:pPr>
+            <a:r>
+              <a:rPr kumimoji="0" lang="zh-CN" altLang="en-US" sz="3200" dirty="0" smtClean="0">
+                <a:solidFill>
+                  <a:schemeClr val="tx1"/>
+                </a:solidFill>
+                <a:sym typeface="+mn-ea"/>
+              </a:rPr>
+              <a:t> 完成</a:t>
+            </a:r>
+            <a:r>
+              <a:rPr kumimoji="0" lang="en-US" altLang="zh-CN" sz="3200" dirty="0" smtClean="0">
+                <a:solidFill>
+                  <a:schemeClr val="tx1"/>
+                </a:solidFill>
+                <a:sym typeface="+mn-ea"/>
+              </a:rPr>
+              <a:t>freecodecamp</a:t>
+            </a:r>
+            <a:r>
+              <a:rPr kumimoji="0" lang="zh-CN" altLang="en-US" sz="3200" dirty="0" smtClean="0">
+                <a:solidFill>
+                  <a:schemeClr val="tx1"/>
+                </a:solidFill>
+                <a:sym typeface="+mn-ea"/>
+              </a:rPr>
+              <a:t>在线学习网站中</a:t>
+            </a:r>
+            <a:r>
+              <a:rPr kumimoji="0" lang="en-US" altLang="zh-CN" sz="3200" dirty="0" smtClean="0">
+                <a:solidFill>
+                  <a:schemeClr val="tx1"/>
+                </a:solidFill>
+                <a:sym typeface="+mn-ea"/>
+              </a:rPr>
+              <a:t>JS</a:t>
+            </a:r>
+            <a:r>
+              <a:rPr kumimoji="0" lang="zh-CN" altLang="en-US" sz="3200" dirty="0" smtClean="0">
+                <a:solidFill>
+                  <a:schemeClr val="tx1"/>
+                </a:solidFill>
+                <a:sym typeface="+mn-ea"/>
+              </a:rPr>
+              <a:t>基础任务的</a:t>
+            </a:r>
+            <a:r>
+              <a:rPr kumimoji="0" lang="en-US" altLang="zh-CN" sz="3200" dirty="0" smtClean="0">
+                <a:solidFill>
+                  <a:schemeClr val="tx1"/>
+                </a:solidFill>
+                <a:sym typeface="+mn-ea"/>
+              </a:rPr>
+              <a:t>50%</a:t>
             </a:r>
             <a:endParaRPr kumimoji="0" lang="zh-CN" altLang="en-US" sz="3200" dirty="0" smtClean="0">
               <a:solidFill>
@@ -14723,7 +15010,7 @@
                 <a:ea typeface="+mn-ea"/>
                 <a:sym typeface="+mn-ea"/>
               </a:rPr>
-              <a:t>引用分配在栈区</a:t>
+              <a:t>引用分配在栈区或堆区</a:t>
             </a:r>
             <a:r>
               <a:rPr lang="zh-CN" altLang="en-US" sz="2200">
@@ -14763,7 +15050,7 @@
         <p:spPr>
           <a:xfrm>
             <a:off x="4994275" y="4102735"/>
-            <a:ext cx="2407920" cy="1106805"/>
+            <a:ext cx="2546985" cy="1106805"/>
           </a:xfrm>
           <a:prstGeom prst="rect">
             <a:avLst/>
@@ -14782,7 +15069,7 @@
                 <a:ea typeface="+mn-ea"/>
                 <a:sym typeface="+mn-ea"/>
               </a:rPr>
-              <a:t>注意：定义为基本类型的临时变量分配在</a:t>
+              <a:t>注意：定义为基本类型的函数局部变量分配在</a:t>
             </a:r>
             <a:r>
               <a:rPr lang="zh-CN" altLang="en-US" sz="2200">
@@ -15040,8 +15327,8 @@
         </p:nvSpPr>
         <p:spPr>
           <a:xfrm>
-            <a:off x="1143000" y="783590"/>
-            <a:ext cx="9715500" cy="5268595"/>
+            <a:off x="855980" y="783590"/>
+            <a:ext cx="10827385" cy="5268595"/>
           </a:xfrm>
         </p:spPr>
         <p:txBody>
@@ -15063,6 +15350,50 @@
               <a:t>内存分配方式不同</a:t>
             </a:r>
             <a:br>
+              <a:rPr sz="3200" dirty="0">
+                <a:solidFill>
+                  <a:schemeClr val="tx1"/>
+                </a:solidFill>
+                <a:sym typeface="+mn-ea"/>
+              </a:rPr>
+            </a:br>
+            <a:r>
+              <a:rPr lang="en-US" altLang="zh-CN" sz="2000" dirty="0">
+                <a:solidFill>
+                  <a:schemeClr val="tx1"/>
+                </a:solidFill>
+                <a:sym typeface="+mn-ea"/>
+              </a:rPr>
+              <a:t>- </a:t>
+            </a:r>
+            <a:r>
+              <a:rPr lang="zh-CN" altLang="en-US" sz="2000" dirty="0">
+                <a:solidFill>
+                  <a:schemeClr val="tx1"/>
+                </a:solidFill>
+                <a:sym typeface="+mn-ea"/>
+              </a:rPr>
+              <a:t>堆区与栈区、存值与存地址、影响变量的</a:t>
+            </a:r>
+            <a:r>
+              <a:rPr lang="zh-CN" altLang="en-US" sz="2000" dirty="0">
+                <a:solidFill>
+                  <a:schemeClr val="accent3"/>
+                </a:solidFill>
+                <a:sym typeface="+mn-ea"/>
+              </a:rPr>
+              <a:t>生命周期</a:t>
+            </a:r>
+            <a:r>
+              <a:rPr lang="zh-CN" altLang="en-US" sz="2000" dirty="0">
+                <a:solidFill>
+                  <a:schemeClr val="tx1"/>
+                </a:solidFill>
+                <a:sym typeface="+mn-ea"/>
+              </a:rPr>
+              <a:t>（自动清除、垃圾回收）</a:t>
+            </a:r>
+            <a:br>
               <a:rPr lang="zh-CN" altLang="en-US" sz="3200" dirty="0">
                 <a:solidFill>
                   <a:schemeClr val="tx1"/>
@@ -15086,9 +15417,43 @@
                 </a:solidFill>
                 <a:sym typeface="+mn-ea"/>
               </a:rPr>
-              <a:t>堆区与栈区、存值与存地址、生命周期</a:t>
-            </a:r>
-            <a:endParaRPr lang="zh-CN" altLang="en-US" sz="2000" dirty="0">
+              <a:t>函数内定义的基本数据类型的临时变量变量分配在栈区</a:t>
+            </a:r>
+            <a:br>
+              <a:rPr lang="zh-CN" altLang="en-US" sz="2000" dirty="0">
+                <a:solidFill>
+                  <a:schemeClr val="tx1"/>
+                </a:solidFill>
+                <a:sym typeface="+mn-ea"/>
+              </a:rPr>
+            </a:br>
+            <a:r>
+              <a:rPr lang="en-US" altLang="zh-CN" sz="2000" dirty="0">
+                <a:solidFill>
+                  <a:schemeClr val="tx1"/>
+                </a:solidFill>
+                <a:sym typeface="+mn-ea"/>
+              </a:rPr>
+              <a:t>- </a:t>
+            </a:r>
+            <a:r>
+              <a:rPr lang="zh-CN" altLang="en-US" sz="2000" dirty="0">
+                <a:solidFill>
+                  <a:schemeClr val="tx1"/>
+                </a:solidFill>
+                <a:sym typeface="+mn-ea"/>
+              </a:rPr>
+              <a:t>引用数据类型的变量的引用（地址）存储在栈区或堆区，被引用（指向）的对象存储在堆区</a:t>
+            </a:r>
+            <a:br>
+              <a:rPr lang="zh-CN" altLang="en-US" sz="2000" dirty="0">
+                <a:solidFill>
+                  <a:schemeClr val="tx1"/>
+                </a:solidFill>
+                <a:sym typeface="+mn-ea"/>
+              </a:rPr>
+            </a:br>
+            <a:endParaRPr lang="en-US" altLang="zh-CN" sz="2000" dirty="0">
               <a:solidFill>
                 <a:schemeClr val="tx1"/>
               </a:solidFill>
@@ -15182,8 +15547,8 @@
         </p:blipFill>
         <p:spPr>
           <a:xfrm>
-            <a:off x="1429385" y="2047558"/>
-            <a:ext cx="5935980" cy="3932555"/>
+            <a:off x="1381760" y="3013710"/>
+            <a:ext cx="5452745" cy="3612515"/>
           </a:xfrm>
           <a:prstGeom prst="rect">
             <a:avLst/>
@@ -15198,8 +15563,8 @@
         </p:nvSpPr>
         <p:spPr>
           <a:xfrm>
-            <a:off x="6222365" y="1617345"/>
-            <a:ext cx="2995930" cy="429895"/>
+            <a:off x="7974965" y="6267450"/>
+            <a:ext cx="2523490" cy="429895"/>
           </a:xfrm>
           <a:prstGeom prst="rect">
             <a:avLst/>
@@ -15235,6 +15600,100 @@
             <a:endParaRPr lang="en-US" altLang="zh-CN" sz="2200">
               <a:solidFill>
                 <a:srgbClr val="FF0000"/>
+              </a:solidFill>
+              <a:latin typeface="+mn-ea"/>
+              <a:ea typeface="+mn-ea"/>
+            </a:endParaRPr>
+          </a:p>
+        </p:txBody>
+      </p:sp>
+      <p:sp>
+        <p:nvSpPr>
+          <p:cNvPr id="6" name="文本框 5"/>
+          <p:cNvSpPr txBox="1"/>
+          <p:nvPr/>
+        </p:nvSpPr>
+        <p:spPr>
+          <a:xfrm>
+            <a:off x="7310120" y="3302635"/>
+            <a:ext cx="3548380" cy="2799715"/>
+          </a:xfrm>
+          <a:prstGeom prst="rect">
+            <a:avLst/>
+          </a:prstGeom>
+          <a:noFill/>
+        </p:spPr>
+        <p:txBody>
+          <a:bodyPr wrap="square" rtlCol="0">
+            <a:spAutoFit/>
+          </a:bodyPr>
+          <a:p>
+            <a:pPr algn="l"/>
+            <a:r>
+              <a:rPr lang="zh-CN" altLang="en-US" sz="2200">
+                <a:solidFill>
+                  <a:schemeClr val="accent3"/>
+                </a:solidFill>
+                <a:latin typeface="+mn-ea"/>
+                <a:ea typeface="+mn-ea"/>
+                <a:sym typeface="+mn-ea"/>
+              </a:rPr>
+              <a:t>思考：对象的属性如果是基本类型，那么该属性是分配在堆区还是栈区</a:t>
+            </a:r>
+            <a:endParaRPr lang="zh-CN" altLang="en-US" sz="2200">
+              <a:solidFill>
+                <a:schemeClr val="accent3"/>
+              </a:solidFill>
+              <a:latin typeface="+mn-ea"/>
+              <a:ea typeface="+mn-ea"/>
+              <a:sym typeface="+mn-ea"/>
+            </a:endParaRPr>
+          </a:p>
+          <a:p>
+            <a:pPr algn="l"/>
+            <a:endParaRPr lang="zh-CN" altLang="en-US" sz="2200">
+              <a:solidFill>
+                <a:srgbClr val="FF0000"/>
+              </a:solidFill>
+              <a:latin typeface="+mn-ea"/>
+              <a:ea typeface="+mn-ea"/>
+            </a:endParaRPr>
+          </a:p>
+          <a:p>
+            <a:pPr algn="l"/>
+            <a:r>
+              <a:rPr lang="zh-CN" altLang="en-US" sz="2200">
+                <a:solidFill>
+                  <a:schemeClr val="tx1"/>
+                </a:solidFill>
+                <a:latin typeface="+mn-ea"/>
+                <a:ea typeface="+mn-ea"/>
+              </a:rPr>
+              <a:t>栈区常用来存储函数局部临时变量，一般数据量较小</a:t>
+            </a:r>
+            <a:endParaRPr lang="zh-CN" altLang="en-US" sz="2200">
+              <a:solidFill>
+                <a:srgbClr val="FF0000"/>
+              </a:solidFill>
+              <a:latin typeface="+mn-ea"/>
+              <a:ea typeface="+mn-ea"/>
+            </a:endParaRPr>
+          </a:p>
+          <a:p>
+            <a:pPr algn="l"/>
+            <a:r>
+              <a:rPr lang="zh-CN" altLang="en-US" sz="2200">
+                <a:solidFill>
+                  <a:schemeClr val="tx1"/>
+                </a:solidFill>
+                <a:latin typeface="+mn-ea"/>
+                <a:ea typeface="+mn-ea"/>
+              </a:rPr>
+              <a:t>堆区常用来存储更为复杂的数据结构的对象</a:t>
+            </a:r>
+            <a:endParaRPr lang="zh-CN" altLang="en-US" sz="2200">
+              <a:solidFill>
+                <a:schemeClr val="tx1"/>
               </a:solidFill>
               <a:latin typeface="+mn-ea"/>
               <a:ea typeface="+mn-ea"/>
@@ -15725,6 +16184,68 @@
             <a:endParaRPr lang="en-US" altLang="zh-CN" sz="2200">
               <a:solidFill>
                 <a:srgbClr val="FF0000"/>
+              </a:solidFill>
+              <a:latin typeface="+mn-ea"/>
+              <a:ea typeface="+mn-ea"/>
+            </a:endParaRPr>
+          </a:p>
+        </p:txBody>
+      </p:sp>
+      <p:sp>
+        <p:nvSpPr>
+          <p:cNvPr id="6" name="文本框 5"/>
+          <p:cNvSpPr txBox="1"/>
+          <p:nvPr/>
+        </p:nvSpPr>
+        <p:spPr>
+          <a:xfrm>
+            <a:off x="6821805" y="4965065"/>
+            <a:ext cx="3773170" cy="1445260"/>
+          </a:xfrm>
+          <a:prstGeom prst="rect">
+            <a:avLst/>
+          </a:prstGeom>
+          <a:noFill/>
+        </p:spPr>
+        <p:txBody>
+          <a:bodyPr wrap="square" rtlCol="0">
+            <a:spAutoFit/>
+          </a:bodyPr>
+          <a:p>
+            <a:pPr algn="l"/>
+            <a:r>
+              <a:rPr lang="zh-CN" sz="2200">
+                <a:solidFill>
+                  <a:schemeClr val="tx1"/>
+                </a:solidFill>
+                <a:latin typeface="+mn-ea"/>
+                <a:ea typeface="+mn-ea"/>
+              </a:rPr>
+              <a:t>注意：真正决定这几种不同的是</a:t>
+            </a:r>
+            <a:r>
+              <a:rPr lang="zh-CN" sz="2200">
+                <a:solidFill>
+                  <a:srgbClr val="FF0000"/>
+                </a:solidFill>
+                <a:latin typeface="+mn-ea"/>
+                <a:ea typeface="+mn-ea"/>
+              </a:rPr>
+              <a:t>数据类型</a:t>
+            </a:r>
+            <a:r>
+              <a:rPr lang="zh-CN" sz="2200">
+                <a:solidFill>
+                  <a:schemeClr val="tx1"/>
+                </a:solidFill>
+                <a:latin typeface="+mn-ea"/>
+                <a:ea typeface="+mn-ea"/>
+              </a:rPr>
+              <a:t>，而不是内存分配方式，内存分配方式决定的是变量的生命周期</a:t>
+            </a:r>
+            <a:endParaRPr lang="zh-CN" sz="2200">
+              <a:solidFill>
+                <a:schemeClr val="tx1"/>
               </a:solidFill>
               <a:latin typeface="+mn-ea"/>
               <a:ea typeface="+mn-ea"/>
@@ -16297,6 +16818,88 @@
                             </p:childTnLst>
                           </p:cTn>
                         </p:par>
+                        <p:par>
+                          <p:cTn id="36" fill="hold">
+                            <p:stCondLst>
+                              <p:cond delay="1000"/>
+                            </p:stCondLst>
+                            <p:childTnLst>
+                              <p:par>
+                                <p:cTn id="37" presetID="2" presetClass="entr" presetSubtype="4" fill="hold" grpId="0" nodeType="afterEffect">
+                                  <p:stCondLst>
+                                    <p:cond delay="0"/>
+                                  </p:stCondLst>
+                                  <p:childTnLst>
+                                    <p:set>
+                                      <p:cBhvr>
+                                        <p:cTn id="38" dur="1" fill="hold">
+                                          <p:stCondLst>
+                                            <p:cond delay="0"/>
+                                          </p:stCondLst>
+                                        </p:cTn>
+                                        <p:tgtEl>
+                                          <p:spTgt spid="6"/>
+                                        </p:tgtEl>
+                                        <p:attrNameLst>
+                                          <p:attrName>style.visibility</p:attrName>
+                                        </p:attrNameLst>
+                                      </p:cBhvr>
+                                      <p:to>
+                                        <p:strVal val="visible"/>
+                                      </p:to>
+                                    </p:set>
+                                    <p:anim calcmode="lin" valueType="num">
+                                      <p:cBhvr additive="base">
+                                        <p:cTn id="39" dur="500" fill="hold"/>
+                                        <p:tgtEl>
+                                          <p:spTgt spid="6"/>
+                                        </p:tgtEl>
+                                        <p:attrNameLst>
+                                          <p:attrName>ppt_x</p:attrName>
+                                        </p:attrNameLst>
+                                      </p:cBhvr>
+                                      <p:tavLst>
+                                        <p:tav tm="0">
+                                          <p:val>
+                                            <p:strVal val="#ppt_x"/>
+                                          </p:val>
+                                        </p:tav>
+                                        <p:tav tm="100000">
+                                          <p:val>
+                                            <p:strVal val="#ppt_x"/>
+                                          </p:val>
+                                        </p:tav>
+                                      </p:tavLst>
+                                    </p:anim>
+                                    <p:anim calcmode="lin" valueType="num">
+                                      <p:cBhvr additive="base">
+                                        <p:cTn id="40" dur="500" fill="hold"/>
+                                        <p:tgtEl>
+                                          <p:spTgt spid="6"/>
+                                        </p:tgtEl>
+                                        <p:attrNameLst>
+                                          <p:attrName>ppt_y</p:attrName>
+                                        </p:attrNameLst>
+                                      </p:cBhvr>
+                                      <p:tavLst>
+                                        <p:tav tm="0">
+                                          <p:val>
+                                            <p:strVal val="1+#ppt_h/2"/>
+                                          </p:val>
+                                        </p:tav>
+                                        <p:tav tm="100000">
+                                          <p:val>
+                                            <p:strVal val="#ppt_y"/>
+                                          </p:val>
+                                        </p:tav>
+                                      </p:tavLst>
+                                    </p:anim>
+                                  </p:childTnLst>
+                                </p:cTn>
+                              </p:par>
+                            </p:childTnLst>
+                          </p:cTn>
+                        </p:par>
                       </p:childTnLst>
                     </p:cTn>
                   </p:par>
@@ -16325,6 +16928,7 @@
       <p:bldP spid="5" grpId="0"/>
       <p:bldP spid="8" grpId="0"/>
       <p:bldP spid="4" grpId="0"/>
+      <p:bldP spid="6" grpId="0"/>
     </p:bldLst>
   </p:timing>
 </p:sld>
@@ -16911,17 +17515,27 @@
                 <a:cs typeface="+mn-ea"/>
                 <a:sym typeface="+mn-ea"/>
               </a:rPr>
-              <a:t>- </a:t>
+              <a:t>- NaN</a:t>
+            </a:r>
+            <a:r>
+              <a:rPr lang="zh-CN" altLang="en-US" sz="2000" dirty="0">
+                <a:solidFill>
+                  <a:schemeClr val="tx1"/>
+                </a:solidFill>
+                <a:cs typeface="+mn-ea"/>
+                <a:sym typeface="+mn-ea"/>
+              </a:rPr>
+              <a:t>、</a:t>
             </a:r>
             <a:r>
               <a:rPr lang="en-US" altLang="zh-CN" sz="2000" dirty="0">
                 <a:solidFill>
-                  <a:schemeClr val="accent3"/>
+                  <a:schemeClr val="tx1"/>
                 </a:solidFill>
                 <a:cs typeface="+mn-ea"/>
                 <a:sym typeface="+mn-ea"/>
               </a:rPr>
-              <a:t>NaN</a:t>
+              <a:t>Infinity</a:t>
             </a:r>
             <a:r>
               <a:rPr lang="zh-CN" altLang="en-US" sz="2000" dirty="0">
@@ -16936,12 +17550,12 @@
             <a:r>
               <a:rPr lang="en-US" altLang="zh-CN" sz="2000" dirty="0">
                 <a:solidFill>
-                  <a:schemeClr val="accent3"/>
+                  <a:schemeClr val="tx1"/>
                 </a:solidFill>
                 <a:cs typeface="+mn-ea"/>
                 <a:sym typeface="+mn-ea"/>
               </a:rPr>
-              <a:t>Infinity</a:t>
+              <a:t>-Infinity</a:t>
             </a:r>
             <a:r>
               <a:rPr lang="zh-CN" altLang="en-US" sz="2000" dirty="0">
@@ -16956,12 +17570,12 @@
             <a:r>
               <a:rPr lang="en-US" altLang="zh-CN" sz="2000" dirty="0">
                 <a:solidFill>
-                  <a:schemeClr val="accent3"/>
+                  <a:schemeClr val="tx1"/>
                 </a:solidFill>
                 <a:cs typeface="+mn-ea"/>
                 <a:sym typeface="+mn-ea"/>
               </a:rPr>
-              <a:t>-Infinity</a:t>
+              <a:t>+0</a:t>
             </a:r>
             <a:r>
               <a:rPr lang="zh-CN" altLang="en-US" sz="2000" dirty="0">
@@ -16976,27 +17590,7 @@
             <a:r>
               <a:rPr lang="en-US" altLang="zh-CN" sz="2000" dirty="0">
                 <a:solidFill>
-                  <a:srgbClr val="FF0000"/>
-                </a:solidFill>
-                <a:cs typeface="+mn-ea"/>
-                <a:sym typeface="+mn-ea"/>
-              </a:rPr>
-              <a:t>+0</a:t>
-            </a:r>
-            <a:r>
-              <a:rPr lang="zh-CN" altLang="en-US" sz="2000" dirty="0">
-                <a:solidFill>
-                  <a:srgbClr val="FF0000"/>
-                </a:solidFill>
-                <a:cs typeface="+mn-ea"/>
-                <a:sym typeface="+mn-ea"/>
-              </a:rPr>
-              <a:t>、</a:t>
-            </a:r>
-            <a:r>
-              <a:rPr lang="en-US" altLang="zh-CN" sz="2000" dirty="0">
-                <a:solidFill>
-                  <a:srgbClr val="FF0000"/>
+                  <a:schemeClr val="tx1"/>
                 </a:solidFill>
                 <a:cs typeface="+mn-ea"/>
                 <a:sym typeface="+mn-ea"/>
@@ -17005,7 +17599,7 @@
             </a:r>
             <a:endParaRPr lang="en-US" altLang="zh-CN" sz="2000" dirty="0">
               <a:solidFill>
-                <a:srgbClr val="FF0000"/>
+                <a:schemeClr val="tx1"/>
               </a:solidFill>
               <a:cs typeface="+mn-ea"/>
               <a:sym typeface="+mn-ea"/>

--- a/课程PPT/02.JavaScript数据类型、值与变量.pptx
+++ b/课程PPT/02.JavaScript数据类型、值与变量.pptx
@@ -7023,7 +7023,7 @@
             <a:r>
               <a:rPr lang="en-US" altLang="zh-CN" sz="2000" dirty="0">
                 <a:solidFill>
-                  <a:srgbClr val="FF0000"/>
+                  <a:schemeClr val="tx1"/>
                 </a:solidFill>
                 <a:sym typeface="+mn-ea"/>
               </a:rPr>
@@ -7032,7 +7032,7 @@
             <a:r>
               <a:rPr lang="zh-CN" altLang="en-US" sz="2000" dirty="0">
                 <a:solidFill>
-                  <a:srgbClr val="FF0000"/>
+                  <a:schemeClr val="tx1"/>
                 </a:solidFill>
                 <a:sym typeface="+mn-ea"/>
               </a:rPr>
@@ -7041,7 +7041,7 @@
             <a:r>
               <a:rPr lang="en-US" altLang="zh-CN" sz="2000" dirty="0">
                 <a:solidFill>
-                  <a:srgbClr val="FF0000"/>
+                  <a:schemeClr val="tx1"/>
                 </a:solidFill>
                 <a:sym typeface="+mn-ea"/>
               </a:rPr>
@@ -7050,7 +7050,7 @@
             <a:r>
               <a:rPr lang="zh-CN" altLang="en-US" sz="2000" dirty="0">
                 <a:solidFill>
-                  <a:srgbClr val="FF0000"/>
+                  <a:schemeClr val="tx1"/>
                 </a:solidFill>
                 <a:sym typeface="+mn-ea"/>
               </a:rPr>
@@ -7059,7 +7059,7 @@
             <a:r>
               <a:rPr lang="en-US" altLang="zh-CN" sz="2000" dirty="0">
                 <a:solidFill>
-                  <a:srgbClr val="FF0000"/>
+                  <a:schemeClr val="tx1"/>
                 </a:solidFill>
                 <a:sym typeface="+mn-ea"/>
               </a:rPr>
@@ -7068,7 +7068,7 @@
             <a:r>
               <a:rPr lang="zh-CN" altLang="en-US" sz="2000" dirty="0">
                 <a:solidFill>
-                  <a:srgbClr val="FF0000"/>
+                  <a:schemeClr val="tx1"/>
                 </a:solidFill>
                 <a:sym typeface="+mn-ea"/>
               </a:rPr>
@@ -7076,7 +7076,7 @@
             </a:r>
             <a:endParaRPr lang="zh-CN" altLang="en-US" sz="2000" dirty="0">
               <a:solidFill>
-                <a:srgbClr val="FF0000"/>
+                <a:schemeClr val="tx1"/>
               </a:solidFill>
               <a:sym typeface="+mn-ea"/>
             </a:endParaRPr>
@@ -11786,16 +11786,7 @@
                   <a:schemeClr val="tx1"/>
                 </a:solidFill>
               </a:rPr>
-              <a:t>- “B”&gt;</a:t>
-            </a:r>
-            <a:r>
-              <a:rPr lang="en-US" altLang="zh-CN" sz="2000" dirty="0">
-                <a:solidFill>
-                  <a:schemeClr val="tx1"/>
-                </a:solidFill>
-                <a:sym typeface="+mn-ea"/>
-              </a:rPr>
-              <a:t>“A”</a:t>
+              <a:t>-  "B" &gt; "A"</a:t>
             </a:r>
             <a:r>
               <a:rPr lang="zh-CN" altLang="en-US" sz="2000" dirty="0">
@@ -11807,22 +11798,31 @@
               <a:t>、</a:t>
             </a:r>
             <a:r>
-              <a:rPr lang="en-US" altLang="zh-CN" sz="2000" dirty="0">
-                <a:solidFill>
-                  <a:schemeClr val="tx1"/>
-                </a:solidFill>
-                <a:sym typeface="+mn-ea"/>
-              </a:rPr>
-              <a:t>“B”&gt;“a”</a:t>
-            </a:r>
-            <a:r>
-              <a:rPr lang="zh-CN" altLang="en-US" sz="2000" dirty="0">
-                <a:solidFill>
-                  <a:schemeClr val="tx1"/>
-                </a:solidFill>
-                <a:sym typeface="+mn-ea"/>
-              </a:rPr>
-              <a:t>、</a:t>
+              <a:rPr sz="2000" dirty="0">
+                <a:solidFill>
+                  <a:schemeClr val="tx1"/>
+                </a:solidFill>
+                <a:sym typeface="+mn-ea"/>
+              </a:rPr>
+              <a:t>"B" &gt; "</a:t>
+            </a:r>
+            <a:r>
+              <a:rPr lang="en-US" sz="2000" dirty="0">
+                <a:solidFill>
+                  <a:schemeClr val="tx1"/>
+                </a:solidFill>
+                <a:sym typeface="+mn-ea"/>
+              </a:rPr>
+              <a:t>a</a:t>
+            </a:r>
+            <a:r>
+              <a:rPr sz="2000" dirty="0">
+                <a:solidFill>
+                  <a:schemeClr val="tx1"/>
+                </a:solidFill>
+                <a:sym typeface="+mn-ea"/>
+              </a:rPr>
+              <a:t>"</a:t>
             </a:r>
             <a:br>
               <a:rPr lang="zh-CN" altLang="en-US" sz="2000" dirty="0">
@@ -11839,7 +11839,25 @@
                 </a:solidFill>
                 <a:sym typeface="+mn-ea"/>
               </a:rPr>
-              <a:t>- “B”.localeCompare</a:t>
+              <a:t>-  </a:t>
+            </a:r>
+            <a:r>
+              <a:rPr sz="2000" dirty="0">
+                <a:solidFill>
+                  <a:schemeClr val="tx1"/>
+                </a:solidFill>
+                <a:sym typeface="+mn-ea"/>
+              </a:rPr>
+              <a:t>"B".localeCompare("A"); </a:t>
+            </a:r>
+            <a:r>
+              <a:rPr lang="en-US" sz="2000" dirty="0">
+                <a:solidFill>
+                  <a:schemeClr val="tx1"/>
+                </a:solidFill>
+                <a:sym typeface="+mn-ea"/>
+              </a:rPr>
+              <a:t>//</a:t>
             </a:r>
             <a:r>
               <a:rPr lang="zh-CN" altLang="en-US" sz="2000" dirty="0">
@@ -11848,7 +11866,7 @@
                 </a:solidFill>
                 <a:sym typeface="+mn-ea"/>
               </a:rPr>
-              <a:t>（</a:t>
+              <a:t>考虑本地化的字符排序，返回</a:t>
             </a:r>
             <a:r>
               <a:rPr lang="en-US" altLang="zh-CN" sz="2000" dirty="0">
@@ -11857,9 +11875,27 @@
                 </a:solidFill>
                 <a:sym typeface="+mn-ea"/>
               </a:rPr>
-              <a:t>“A”);</a:t>
-            </a:r>
-            <a:endParaRPr lang="en-US" altLang="zh-CN" sz="2000" dirty="0">
+              <a:t>0</a:t>
+            </a:r>
+            <a:r>
+              <a:rPr lang="zh-CN" altLang="en-US" sz="2000" dirty="0">
+                <a:solidFill>
+                  <a:schemeClr val="tx1"/>
+                </a:solidFill>
+                <a:sym typeface="+mn-ea"/>
+              </a:rPr>
+              <a:t>或非</a:t>
+            </a:r>
+            <a:r>
+              <a:rPr lang="en-US" altLang="zh-CN" sz="2000" dirty="0">
+                <a:solidFill>
+                  <a:schemeClr val="tx1"/>
+                </a:solidFill>
+                <a:sym typeface="+mn-ea"/>
+              </a:rPr>
+              <a:t>0</a:t>
+            </a:r>
+            <a:endParaRPr lang="zh-CN" altLang="en-US" sz="2000" dirty="0">
               <a:solidFill>
                 <a:schemeClr val="tx1"/>
               </a:solidFill>
@@ -12164,6 +12200,60 @@
               <a:t>进阶</a:t>
             </a:r>
             <a:endParaRPr lang="zh-CN" altLang="en-US" dirty="0" smtClean="0"/>
+          </a:p>
+        </p:txBody>
+      </p:sp>
+      <p:sp>
+        <p:nvSpPr>
+          <p:cNvPr id="4" name="文本框 3"/>
+          <p:cNvSpPr txBox="1"/>
+          <p:nvPr/>
+        </p:nvSpPr>
+        <p:spPr>
+          <a:xfrm>
+            <a:off x="7530465" y="5124450"/>
+            <a:ext cx="3656965" cy="429895"/>
+          </a:xfrm>
+          <a:prstGeom prst="rect">
+            <a:avLst/>
+          </a:prstGeom>
+          <a:noFill/>
+        </p:spPr>
+        <p:txBody>
+          <a:bodyPr wrap="square" rtlCol="0">
+            <a:spAutoFit/>
+          </a:bodyPr>
+          <a:p>
+            <a:pPr algn="l"/>
+            <a:r>
+              <a:rPr lang="zh-CN" altLang="en-US" sz="2200">
+                <a:solidFill>
+                  <a:srgbClr val="FF0000"/>
+                </a:solidFill>
+                <a:latin typeface="+mn-ea"/>
+                <a:ea typeface="+mn-ea"/>
+                <a:sym typeface="+mn-ea"/>
+              </a:rPr>
+              <a:t>参见实例</a:t>
+            </a:r>
+            <a:r>
+              <a:rPr lang="en-US" altLang="zh-CN" sz="2200">
+                <a:solidFill>
+                  <a:srgbClr val="FF0000"/>
+                </a:solidFill>
+                <a:latin typeface="+mn-ea"/>
+                <a:ea typeface="+mn-ea"/>
+                <a:sym typeface="+mn-ea"/>
+              </a:rPr>
+              <a:t>demo14  Part0</a:t>
+            </a:r>
+            <a:endParaRPr lang="en-US" altLang="zh-CN" sz="2200">
+              <a:solidFill>
+                <a:srgbClr val="FF0000"/>
+              </a:solidFill>
+              <a:latin typeface="+mn-ea"/>
+              <a:ea typeface="+mn-ea"/>
+            </a:endParaRPr>
           </a:p>
         </p:txBody>
       </p:sp>

--- a/课程PPT/02.JavaScript数据类型、值与变量.pptx
+++ b/课程PPT/02.JavaScript数据类型、值与变量.pptx
@@ -15507,7 +15507,7 @@
                 </a:solidFill>
                 <a:sym typeface="+mn-ea"/>
               </a:rPr>
-              <a:t>函数内定义的基本数据类型的临时变量变量分配在栈区</a:t>
+              <a:t>函数内定义的基本数据类型的临时变量分配在栈区</a:t>
             </a:r>
             <a:br>
               <a:rPr lang="zh-CN" altLang="en-US" sz="2000" dirty="0">
